--- a/wk3/WK3.pptx
+++ b/wk3/WK3.pptx
@@ -7,12 +7,9 @@
   <p:sldIdLst>
     <p:sldId id="256" r:id="rId2"/>
     <p:sldId id="268" r:id="rId3"/>
-    <p:sldId id="257" r:id="rId4"/>
-    <p:sldId id="260" r:id="rId5"/>
-    <p:sldId id="265" r:id="rId6"/>
-    <p:sldId id="267" r:id="rId7"/>
-    <p:sldId id="266" r:id="rId8"/>
-    <p:sldId id="263" r:id="rId9"/>
+    <p:sldId id="269" r:id="rId4"/>
+    <p:sldId id="270" r:id="rId5"/>
+    <p:sldId id="263" r:id="rId6"/>
   </p:sldIdLst>
   <p:sldSz cx="12192000" cy="6858000"/>
   <p:notesSz cx="6858000" cy="9144000"/>
@@ -3743,6 +3740,14 @@
 <file path=ppt/slides/slide3.xml><?xml version="1.0" encoding="utf-8"?>
 <p:sld xmlns:a="http://schemas.openxmlformats.org/drawingml/2006/main" xmlns:r="http://schemas.openxmlformats.org/officeDocument/2006/relationships" xmlns:p="http://schemas.openxmlformats.org/presentationml/2006/main">
   <p:cSld>
+    <p:bg>
+      <p:bgPr>
+        <a:solidFill>
+          <a:schemeClr val="bg1"/>
+        </a:solidFill>
+        <a:effectLst/>
+      </p:bgPr>
+    </p:bg>
     <p:spTree>
       <p:nvGrpSpPr>
         <p:cNvPr id="1" name=""/>
@@ -3759,379 +3764,175 @@
       </p:grpSpPr>
       <p:sp>
         <p:nvSpPr>
-          <p:cNvPr id="2" name="TextBox 1">
-            <a:extLst>
-              <a:ext uri="{FF2B5EF4-FFF2-40B4-BE49-F238E27FC236}">
-                <a16:creationId xmlns:a16="http://schemas.microsoft.com/office/drawing/2014/main" id="{5A65937C-8854-8142-A50C-AFC58925F7EC}"/>
-              </a:ext>
-            </a:extLst>
-          </p:cNvPr>
-          <p:cNvSpPr txBox="1"/>
-          <p:nvPr/>
-        </p:nvSpPr>
-        <p:spPr>
+          <p:cNvPr id="12" name="Rectangle 11">
+            <a:extLst>
+              <a:ext uri="{FF2B5EF4-FFF2-40B4-BE49-F238E27FC236}">
+                <a16:creationId xmlns:a16="http://schemas.microsoft.com/office/drawing/2014/main" id="{1707FC24-6981-43D9-B525-C7832BA22463}"/>
+              </a:ext>
+              <a:ext uri="{C183D7F6-B498-43B3-948B-1728B52AA6E4}">
+                <adec:decorative xmlns:adec="http://schemas.microsoft.com/office/drawing/2017/decorative" val="1"/>
+              </a:ext>
+            </a:extLst>
+          </p:cNvPr>
+          <p:cNvSpPr>
+            <a:spLocks noGrp="1" noRot="1" noChangeAspect="1" noMove="1" noResize="1" noEditPoints="1" noAdjustHandles="1" noChangeArrowheads="1" noChangeShapeType="1" noTextEdit="1"/>
+          </p:cNvSpPr>
+          <p:nvPr>
+            <p:extLst>
+              <p:ext uri="{386F3935-93C4-4BCD-93E2-E3B085C9AB24}">
+                <p16:designElem xmlns:p16="http://schemas.microsoft.com/office/powerpoint/2015/main" val="1"/>
+              </p:ext>
+            </p:extLst>
+          </p:nvPr>
+        </p:nvSpPr>
+        <p:spPr bwMode="ltGray">
           <a:xfrm>
-            <a:off x="928914" y="972457"/>
-            <a:ext cx="1828642" cy="369332"/>
+            <a:off x="336884" y="311449"/>
+            <a:ext cx="4332307" cy="6179552"/>
           </a:xfrm>
           <a:prstGeom prst="rect">
             <a:avLst/>
           </a:prstGeom>
-          <a:noFill/>
+          <a:solidFill>
+            <a:srgbClr val="404040"/>
+          </a:solidFill>
+          <a:ln w="127000" cap="sq" cmpd="thinThick">
+            <a:solidFill>
+              <a:srgbClr val="404040"/>
+            </a:solidFill>
+          </a:ln>
         </p:spPr>
-        <p:txBody>
-          <a:bodyPr wrap="none" rtlCol="0">
-            <a:spAutoFit/>
-          </a:bodyPr>
-          <a:lstStyle/>
-          <a:p>
-            <a:r>
-              <a:rPr lang="en-US" dirty="0"/>
-              <a:t>Python </a:t>
-            </a:r>
-            <a:r>
-              <a:rPr lang="zh-CN" altLang="en-US" dirty="0"/>
-              <a:t>数据结构</a:t>
-            </a:r>
-            <a:endParaRPr lang="en-US" dirty="0"/>
-          </a:p>
-        </p:txBody>
-      </p:sp>
-      <p:sp>
-        <p:nvSpPr>
-          <p:cNvPr id="4" name="TextBox 3">
-            <a:extLst>
-              <a:ext uri="{FF2B5EF4-FFF2-40B4-BE49-F238E27FC236}">
-                <a16:creationId xmlns:a16="http://schemas.microsoft.com/office/drawing/2014/main" id="{BE95CFF5-3577-E849-8291-8AEE0CCE77F1}"/>
-              </a:ext>
-            </a:extLst>
-          </p:cNvPr>
-          <p:cNvSpPr txBox="1"/>
-          <p:nvPr/>
+        <p:style>
+          <a:lnRef idx="2">
+            <a:schemeClr val="accent1">
+              <a:shade val="50000"/>
+            </a:schemeClr>
+          </a:lnRef>
+          <a:fillRef idx="1">
+            <a:schemeClr val="accent1"/>
+          </a:fillRef>
+          <a:effectRef idx="0">
+            <a:schemeClr val="accent1"/>
+          </a:effectRef>
+          <a:fontRef idx="minor">
+            <a:schemeClr val="lt1"/>
+          </a:fontRef>
+        </p:style>
+        <p:txBody>
+          <a:bodyPr rtlCol="0" anchor="ctr"/>
+          <a:lstStyle/>
+          <a:p>
+            <a:pPr algn="ctr"/>
+            <a:endParaRPr lang="en-US"/>
+          </a:p>
+        </p:txBody>
+      </p:sp>
+      <p:sp>
+        <p:nvSpPr>
+          <p:cNvPr id="2" name="Title 1">
+            <a:extLst>
+              <a:ext uri="{FF2B5EF4-FFF2-40B4-BE49-F238E27FC236}">
+                <a16:creationId xmlns:a16="http://schemas.microsoft.com/office/drawing/2014/main" id="{7664A713-6360-DC43-844A-CF6BB2A755B4}"/>
+              </a:ext>
+            </a:extLst>
+          </p:cNvPr>
+          <p:cNvSpPr>
+            <a:spLocks noGrp="1"/>
+          </p:cNvSpPr>
+          <p:nvPr>
+            <p:ph type="title"/>
+          </p:nvPr>
         </p:nvSpPr>
         <p:spPr>
           <a:xfrm>
-            <a:off x="928914" y="1640114"/>
-            <a:ext cx="5167086" cy="5262979"/>
+            <a:off x="742950" y="742951"/>
+            <a:ext cx="3476625" cy="4962524"/>
+          </a:xfrm>
+        </p:spPr>
+        <p:txBody>
+          <a:bodyPr vert="horz" lIns="91440" tIns="45720" rIns="91440" bIns="45720" rtlCol="0" anchor="ctr">
+            <a:normAutofit/>
+          </a:bodyPr>
+          <a:lstStyle/>
+          <a:p>
+            <a:pPr algn="ctr"/>
+            <a:r>
+              <a:rPr lang="en-US" sz="4800" kern="1200">
+                <a:solidFill>
+                  <a:srgbClr val="FFFFFF"/>
+                </a:solidFill>
+                <a:latin typeface="+mj-lt"/>
+                <a:ea typeface="+mj-ea"/>
+                <a:cs typeface="+mj-cs"/>
+              </a:rPr>
+              <a:t>Learning Curve </a:t>
+            </a:r>
+          </a:p>
+        </p:txBody>
+      </p:sp>
+      <p:pic>
+        <p:nvPicPr>
+          <p:cNvPr id="5" name="Content Placeholder 4">
+            <a:extLst>
+              <a:ext uri="{FF2B5EF4-FFF2-40B4-BE49-F238E27FC236}">
+                <a16:creationId xmlns:a16="http://schemas.microsoft.com/office/drawing/2014/main" id="{F04AA092-496B-194F-812A-EA76247AB1EF}"/>
+              </a:ext>
+            </a:extLst>
+          </p:cNvPr>
+          <p:cNvPicPr>
+            <a:picLocks noGrp="1" noChangeAspect="1"/>
+          </p:cNvPicPr>
+          <p:nvPr>
+            <p:ph idx="1"/>
+          </p:nvPr>
+        </p:nvPicPr>
+        <p:blipFill>
+          <a:blip r:embed="rId2"/>
+          <a:stretch>
+            <a:fillRect/>
+          </a:stretch>
+        </p:blipFill>
+        <p:spPr>
+          <a:xfrm>
+            <a:off x="5526088" y="4462463"/>
+            <a:ext cx="5810250" cy="1870075"/>
+          </a:xfrm>
+        </p:spPr>
+      </p:pic>
+      <p:pic>
+        <p:nvPicPr>
+          <p:cNvPr id="7" name="Picture 6">
+            <a:extLst>
+              <a:ext uri="{FF2B5EF4-FFF2-40B4-BE49-F238E27FC236}">
+                <a16:creationId xmlns:a16="http://schemas.microsoft.com/office/drawing/2014/main" id="{43CB0DDD-0AC9-724A-B4DC-FD47F30A8E6D}"/>
+              </a:ext>
+            </a:extLst>
+          </p:cNvPr>
+          <p:cNvPicPr>
+            <a:picLocks noChangeAspect="1"/>
+          </p:cNvPicPr>
+          <p:nvPr/>
+        </p:nvPicPr>
+        <p:blipFill>
+          <a:blip r:embed="rId3"/>
+          <a:stretch>
+            <a:fillRect/>
+          </a:stretch>
+        </p:blipFill>
+        <p:spPr>
+          <a:xfrm>
+            <a:off x="5526088" y="533400"/>
+            <a:ext cx="5810250" cy="3846513"/>
           </a:xfrm>
           <a:prstGeom prst="rect">
             <a:avLst/>
           </a:prstGeom>
-          <a:noFill/>
         </p:spPr>
-        <p:txBody>
-          <a:bodyPr wrap="square" rtlCol="0">
-            <a:spAutoFit/>
-          </a:bodyPr>
-          <a:lstStyle/>
-          <a:p>
-            <a:pPr marL="285750" indent="-285750">
-              <a:buFont typeface="Arial" panose="020B0604020202020204" pitchFamily="34" charset="0"/>
-              <a:buChar char="•"/>
-            </a:pPr>
-            <a:r>
-              <a:rPr lang="en-US" sz="1600" dirty="0"/>
-              <a:t>String</a:t>
-            </a:r>
-          </a:p>
-          <a:p>
-            <a:pPr marL="742950" lvl="1" indent="-285750">
-              <a:buFont typeface="Arial" panose="020B0604020202020204" pitchFamily="34" charset="0"/>
-              <a:buChar char="•"/>
-            </a:pPr>
-            <a:r>
-              <a:rPr lang="en-US" sz="1600" dirty="0"/>
-              <a:t> ‘’</a:t>
-            </a:r>
-          </a:p>
-          <a:p>
-            <a:pPr marL="742950" lvl="1" indent="-285750">
-              <a:buFont typeface="Arial" panose="020B0604020202020204" pitchFamily="34" charset="0"/>
-              <a:buChar char="•"/>
-            </a:pPr>
-            <a:r>
-              <a:rPr lang="en-US" sz="1600" dirty="0"/>
-              <a:t>Python</a:t>
-            </a:r>
-            <a:r>
-              <a:rPr lang="zh-CN" altLang="en-US" sz="1600" dirty="0"/>
-              <a:t>为字符串类型提供了非常丰富的运算符，我们可以使用</a:t>
-            </a:r>
-            <a:r>
-              <a:rPr lang="en-US" altLang="zh-CN" sz="1600" dirty="0"/>
-              <a:t>+</a:t>
-            </a:r>
-            <a:r>
-              <a:rPr lang="zh-CN" altLang="en-US" sz="1600" dirty="0"/>
-              <a:t>运算符来实现字符串的拼接，可以使用*运算符来重复一个字符串的内容，</a:t>
-            </a:r>
-            <a:endParaRPr lang="en-US" sz="1600" dirty="0"/>
-          </a:p>
-          <a:p>
-            <a:pPr marL="285750" indent="-285750">
-              <a:buFont typeface="Arial" panose="020B0604020202020204" pitchFamily="34" charset="0"/>
-              <a:buChar char="•"/>
-            </a:pPr>
-            <a:r>
-              <a:rPr lang="en-US" sz="1600" dirty="0"/>
-              <a:t>Tuple</a:t>
-            </a:r>
-            <a:r>
-              <a:rPr lang="zh-CN" altLang="en-US" sz="1600" dirty="0"/>
-              <a:t> </a:t>
-            </a:r>
-            <a:endParaRPr lang="en-US" altLang="zh-CN" sz="1600" dirty="0"/>
-          </a:p>
-          <a:p>
-            <a:pPr marL="742950" lvl="1" indent="-285750">
-              <a:buFont typeface="Arial" panose="020B0604020202020204" pitchFamily="34" charset="0"/>
-              <a:buChar char="•"/>
-            </a:pPr>
-            <a:r>
-              <a:rPr lang="zh-CN" altLang="en-US" sz="1600" dirty="0"/>
-              <a:t>（）</a:t>
-            </a:r>
-            <a:endParaRPr lang="en-US" altLang="zh-CN" sz="1600" dirty="0"/>
-          </a:p>
-          <a:p>
-            <a:pPr marL="742950" lvl="1" indent="-285750">
-              <a:buFont typeface="Arial" panose="020B0604020202020204" pitchFamily="34" charset="0"/>
-              <a:buChar char="•"/>
-            </a:pPr>
-            <a:r>
-              <a:rPr lang="en-US" sz="1600" dirty="0"/>
-              <a:t>Python</a:t>
-            </a:r>
-            <a:r>
-              <a:rPr lang="zh-CN" altLang="en-US" sz="1600" dirty="0"/>
-              <a:t>中的元组与列表类似也是一种容器数据类型，可以用一个变量（对象）来存储多个数据，不同之处在于元组的元素不能修改</a:t>
-            </a:r>
-            <a:endParaRPr lang="en-US" sz="1600" dirty="0"/>
-          </a:p>
-          <a:p>
-            <a:pPr marL="285750" indent="-285750">
-              <a:buFont typeface="Arial" panose="020B0604020202020204" pitchFamily="34" charset="0"/>
-              <a:buChar char="•"/>
-            </a:pPr>
-            <a:r>
-              <a:rPr lang="en-US" sz="1600" dirty="0"/>
-              <a:t>List</a:t>
-            </a:r>
-          </a:p>
-          <a:p>
-            <a:pPr marL="742950" lvl="1" indent="-285750">
-              <a:buFont typeface="Arial" panose="020B0604020202020204" pitchFamily="34" charset="0"/>
-              <a:buChar char="•"/>
-            </a:pPr>
-            <a:r>
-              <a:rPr lang="zh-CN" altLang="en-US" sz="1600" dirty="0"/>
-              <a:t>［］</a:t>
-            </a:r>
-            <a:endParaRPr lang="en-US" altLang="zh-CN" sz="1600" dirty="0"/>
-          </a:p>
-          <a:p>
-            <a:pPr marL="742950" lvl="1" indent="-285750">
-              <a:buFont typeface="Arial" panose="020B0604020202020204" pitchFamily="34" charset="0"/>
-              <a:buChar char="•"/>
-            </a:pPr>
-            <a:endParaRPr lang="en-US" sz="1600" dirty="0"/>
-          </a:p>
-          <a:p>
-            <a:pPr marL="285750" indent="-285750">
-              <a:buFont typeface="Arial" panose="020B0604020202020204" pitchFamily="34" charset="0"/>
-              <a:buChar char="•"/>
-            </a:pPr>
-            <a:r>
-              <a:rPr lang="en-US" sz="1600" dirty="0"/>
-              <a:t>Dictionary</a:t>
-            </a:r>
-          </a:p>
-          <a:p>
-            <a:pPr marL="742950" lvl="1" indent="-285750">
-              <a:buFont typeface="Arial" panose="020B0604020202020204" pitchFamily="34" charset="0"/>
-              <a:buChar char="•"/>
-            </a:pPr>
-            <a:r>
-              <a:rPr lang="zh-CN" altLang="en-US" sz="1600" dirty="0"/>
-              <a:t>｛｝</a:t>
-            </a:r>
-            <a:endParaRPr lang="en-US" altLang="zh-CN" sz="1600" dirty="0"/>
-          </a:p>
-          <a:p>
-            <a:pPr marL="742950" lvl="1" indent="-285750">
-              <a:buFont typeface="Arial" panose="020B0604020202020204" pitchFamily="34" charset="0"/>
-              <a:buChar char="•"/>
-            </a:pPr>
-            <a:r>
-              <a:rPr lang="zh-CN" altLang="en-US" sz="1600" dirty="0"/>
-              <a:t>字典是另一种可变容器模型，</a:t>
-            </a:r>
-            <a:r>
-              <a:rPr lang="en-US" sz="1600" dirty="0"/>
-              <a:t>Python</a:t>
-            </a:r>
-            <a:r>
-              <a:rPr lang="zh-CN" altLang="en-US" sz="1600" dirty="0"/>
-              <a:t>中的字典跟我们生活中使用的字典是一样一样的，它可以存储任意类型对象，与列表、集合不同的是，字典的每个元素都是由一个键和一个值组成的“键值对”，键和值通过冒号分开。</a:t>
-            </a:r>
-            <a:endParaRPr lang="en-US" sz="1600" dirty="0"/>
-          </a:p>
-          <a:p>
-            <a:pPr marL="285750" indent="-285750">
-              <a:buFont typeface="Arial" panose="020B0604020202020204" pitchFamily="34" charset="0"/>
-              <a:buChar char="•"/>
-            </a:pPr>
-            <a:endParaRPr lang="en-US" sz="1600" dirty="0"/>
-          </a:p>
-        </p:txBody>
-      </p:sp>
-      <p:sp>
-        <p:nvSpPr>
-          <p:cNvPr id="7" name="TextBox 6">
-            <a:extLst>
-              <a:ext uri="{FF2B5EF4-FFF2-40B4-BE49-F238E27FC236}">
-                <a16:creationId xmlns:a16="http://schemas.microsoft.com/office/drawing/2014/main" id="{B16E7EC5-887B-4345-BEB1-150B4CF73645}"/>
-              </a:ext>
-            </a:extLst>
-          </p:cNvPr>
-          <p:cNvSpPr txBox="1"/>
-          <p:nvPr/>
-        </p:nvSpPr>
-        <p:spPr>
-          <a:xfrm>
-            <a:off x="6633029" y="972457"/>
-            <a:ext cx="3454400" cy="3693319"/>
-          </a:xfrm>
-          <a:prstGeom prst="rect">
-            <a:avLst/>
-          </a:prstGeom>
-          <a:noFill/>
-        </p:spPr>
-        <p:txBody>
-          <a:bodyPr wrap="square" rtlCol="0">
-            <a:spAutoFit/>
-          </a:bodyPr>
-          <a:lstStyle/>
-          <a:p>
-            <a:r>
-              <a:rPr lang="zh-CN" altLang="en-US" dirty="0"/>
-              <a:t>调用</a:t>
-            </a:r>
-            <a:r>
-              <a:rPr lang="en-US" altLang="zh-CN" dirty="0"/>
-              <a:t>(</a:t>
-            </a:r>
-            <a:r>
-              <a:rPr lang="zh-CN" altLang="en-US" dirty="0"/>
-              <a:t>索引 切片</a:t>
-            </a:r>
-            <a:r>
-              <a:rPr lang="en-US" altLang="zh-CN" dirty="0"/>
-              <a:t>)</a:t>
-            </a:r>
-          </a:p>
-          <a:p>
-            <a:endParaRPr lang="en-US" dirty="0"/>
-          </a:p>
-          <a:p>
-            <a:pPr marL="285750" indent="-285750">
-              <a:buFont typeface="Arial" panose="020B0604020202020204" pitchFamily="34" charset="0"/>
-              <a:buChar char="•"/>
-            </a:pPr>
-            <a:r>
-              <a:rPr lang="zh-CN" altLang="en-US" dirty="0"/>
-              <a:t>字符串</a:t>
-            </a:r>
-            <a:r>
-              <a:rPr lang="zh-CN" altLang="en-US" b="1" dirty="0"/>
-              <a:t>切片</a:t>
-            </a:r>
-            <a:r>
-              <a:rPr lang="en-US" altLang="zh-CN" dirty="0"/>
-              <a:t>(</a:t>
-            </a:r>
-            <a:r>
-              <a:rPr lang="zh-CN" altLang="en-US" dirty="0"/>
-              <a:t>从指定的开始索引到指定的结束索引</a:t>
-            </a:r>
-            <a:r>
-              <a:rPr lang="en-US" altLang="zh-CN" dirty="0"/>
-              <a:t>)</a:t>
-            </a:r>
-          </a:p>
-          <a:p>
-            <a:pPr marL="285750" indent="-285750">
-              <a:buFont typeface="Arial" panose="020B0604020202020204" pitchFamily="34" charset="0"/>
-              <a:buChar char="•"/>
-            </a:pPr>
-            <a:r>
-              <a:rPr lang="en-US" dirty="0" err="1"/>
-              <a:t>len</a:t>
-            </a:r>
-            <a:r>
-              <a:rPr lang="en-US" dirty="0"/>
-              <a:t>(str1)</a:t>
-            </a:r>
-          </a:p>
-          <a:p>
-            <a:pPr marL="285750" indent="-285750">
-              <a:buFont typeface="Arial" panose="020B0604020202020204" pitchFamily="34" charset="0"/>
-              <a:buChar char="•"/>
-            </a:pPr>
-            <a:endParaRPr lang="en-US" dirty="0"/>
-          </a:p>
-          <a:p>
-            <a:pPr marL="285750" indent="-285750">
-              <a:buFont typeface="Arial" panose="020B0604020202020204" pitchFamily="34" charset="0"/>
-              <a:buChar char="•"/>
-            </a:pPr>
-            <a:endParaRPr lang="en-US" dirty="0"/>
-          </a:p>
-          <a:p>
-            <a:pPr marL="285750" indent="-285750">
-              <a:buFont typeface="Arial" panose="020B0604020202020204" pitchFamily="34" charset="0"/>
-              <a:buChar char="•"/>
-            </a:pPr>
-            <a:endParaRPr lang="en-US" dirty="0"/>
-          </a:p>
-          <a:p>
-            <a:pPr marL="285750" indent="-285750">
-              <a:buFont typeface="Arial" panose="020B0604020202020204" pitchFamily="34" charset="0"/>
-              <a:buChar char="•"/>
-            </a:pPr>
-            <a:endParaRPr lang="en-US" dirty="0"/>
-          </a:p>
-          <a:p>
-            <a:pPr marL="285750" indent="-285750">
-              <a:buFont typeface="Arial" panose="020B0604020202020204" pitchFamily="34" charset="0"/>
-              <a:buChar char="•"/>
-            </a:pPr>
-            <a:endParaRPr lang="en-US" dirty="0"/>
-          </a:p>
-          <a:p>
-            <a:pPr marL="285750" indent="-285750">
-              <a:buFont typeface="Arial" panose="020B0604020202020204" pitchFamily="34" charset="0"/>
-              <a:buChar char="•"/>
-            </a:pPr>
-            <a:endParaRPr lang="en-US" dirty="0"/>
-          </a:p>
-          <a:p>
-            <a:pPr marL="285750" indent="-285750">
-              <a:buFont typeface="Arial" panose="020B0604020202020204" pitchFamily="34" charset="0"/>
-              <a:buChar char="•"/>
-            </a:pPr>
-            <a:r>
-              <a:rPr lang="zh-CN" altLang="en-US" dirty="0"/>
-              <a:t>如何定义列表、如何遍历容器以及容器的下标运算。</a:t>
-            </a:r>
-            <a:endParaRPr lang="en-US" dirty="0"/>
-          </a:p>
-        </p:txBody>
-      </p:sp>
+      </p:pic>
     </p:spTree>
     <p:extLst>
       <p:ext uri="{BB962C8B-B14F-4D97-AF65-F5344CB8AC3E}">
-        <p14:creationId xmlns:p14="http://schemas.microsoft.com/office/powerpoint/2010/main" val="3259779586"/>
+        <p14:creationId xmlns:p14="http://schemas.microsoft.com/office/powerpoint/2010/main" val="830587941"/>
       </p:ext>
     </p:extLst>
   </p:cSld>
@@ -4168,10 +3969,10 @@
       </p:grpSpPr>
       <p:sp>
         <p:nvSpPr>
-          <p:cNvPr id="17" name="Rectangle 16">
-            <a:extLst>
-              <a:ext uri="{FF2B5EF4-FFF2-40B4-BE49-F238E27FC236}">
-                <a16:creationId xmlns:a16="http://schemas.microsoft.com/office/drawing/2014/main" id="{E1750109-3B91-4506-B997-0CD8E35A1488}"/>
+          <p:cNvPr id="10" name="Rectangle 7">
+            <a:extLst>
+              <a:ext uri="{FF2B5EF4-FFF2-40B4-BE49-F238E27FC236}">
+                <a16:creationId xmlns:a16="http://schemas.microsoft.com/office/drawing/2014/main" id="{F98ED85F-DCEE-4B50-802E-71A6E3E12B04}"/>
               </a:ext>
               <a:ext uri="{C183D7F6-B498-43B3-948B-1728B52AA6E4}">
                 <adec:decorative xmlns:adec="http://schemas.microsoft.com/office/drawing/2017/decorative" val="1"/>
@@ -4189,19 +3990,27 @@
             </p:extLst>
           </p:nvPr>
         </p:nvSpPr>
-        <p:spPr>
+        <p:spPr bwMode="ltGray">
           <a:xfrm>
-            <a:off x="0" y="0"/>
-            <a:ext cx="12192000" cy="6858000"/>
+            <a:off x="321564" y="320040"/>
+            <a:ext cx="11548872" cy="6217920"/>
           </a:xfrm>
           <a:prstGeom prst="rect">
             <a:avLst/>
           </a:prstGeom>
           <a:solidFill>
-            <a:srgbClr val="D8775C"/>
+            <a:schemeClr val="tx1">
+              <a:alpha val="14000"/>
+            </a:schemeClr>
           </a:solidFill>
-          <a:ln>
-            <a:noFill/>
+          <a:ln w="127000" cap="sq" cmpd="thinThick">
+            <a:solidFill>
+              <a:schemeClr val="tx1">
+                <a:lumMod val="85000"/>
+                <a:lumOff val="15000"/>
+                <a:alpha val="15000"/>
+              </a:schemeClr>
+            </a:solidFill>
           </a:ln>
         </p:spPr>
         <p:style>
@@ -4231,540 +4040,124 @@
       </p:sp>
       <p:sp>
         <p:nvSpPr>
-          <p:cNvPr id="19" name="Rectangle 18">
-            <a:extLst>
-              <a:ext uri="{FF2B5EF4-FFF2-40B4-BE49-F238E27FC236}">
-                <a16:creationId xmlns:a16="http://schemas.microsoft.com/office/drawing/2014/main" id="{E72D8D1B-59F6-4FF3-8547-9BBB6129F2FA}"/>
-              </a:ext>
-              <a:ext uri="{C183D7F6-B498-43B3-948B-1728B52AA6E4}">
-                <adec:decorative xmlns:adec="http://schemas.microsoft.com/office/drawing/2017/decorative" val="1"/>
-              </a:ext>
-            </a:extLst>
-          </p:cNvPr>
-          <p:cNvSpPr>
-            <a:spLocks noGrp="1" noRot="1" noChangeAspect="1" noMove="1" noResize="1" noEditPoints="1" noAdjustHandles="1" noChangeArrowheads="1" noChangeShapeType="1" noTextEdit="1"/>
-          </p:cNvSpPr>
-          <p:nvPr>
-            <p:extLst>
-              <p:ext uri="{386F3935-93C4-4BCD-93E2-E3B085C9AB24}">
-                <p16:designElem xmlns:p16="http://schemas.microsoft.com/office/powerpoint/2015/main" val="1"/>
-              </p:ext>
-            </p:extLst>
+          <p:cNvPr id="2" name="Title 1">
+            <a:extLst>
+              <a:ext uri="{FF2B5EF4-FFF2-40B4-BE49-F238E27FC236}">
+                <a16:creationId xmlns:a16="http://schemas.microsoft.com/office/drawing/2014/main" id="{89608AC5-850C-AF43-9E07-0E23A8E2FA1D}"/>
+              </a:ext>
+            </a:extLst>
+          </p:cNvPr>
+          <p:cNvSpPr>
+            <a:spLocks noGrp="1"/>
+          </p:cNvSpPr>
+          <p:nvPr>
+            <p:ph type="title"/>
           </p:nvPr>
         </p:nvSpPr>
         <p:spPr>
           <a:xfrm>
-            <a:off x="461331" y="480060"/>
-            <a:ext cx="3442553" cy="2788074"/>
+            <a:off x="838200" y="1129284"/>
+            <a:ext cx="4114800" cy="4599432"/>
           </a:xfrm>
-          <a:prstGeom prst="rect">
-            <a:avLst/>
-          </a:prstGeom>
-          <a:solidFill>
-            <a:schemeClr val="bg1"/>
-          </a:solidFill>
-          <a:ln w="19050">
-            <a:noFill/>
-          </a:ln>
         </p:spPr>
-        <p:style>
-          <a:lnRef idx="2">
-            <a:schemeClr val="accent1">
-              <a:shade val="50000"/>
-            </a:schemeClr>
-          </a:lnRef>
-          <a:fillRef idx="1">
-            <a:schemeClr val="accent1"/>
-          </a:fillRef>
-          <a:effectRef idx="0">
-            <a:schemeClr val="accent1"/>
-          </a:effectRef>
-          <a:fontRef idx="minor">
-            <a:schemeClr val="lt1"/>
-          </a:fontRef>
-        </p:style>
-        <p:txBody>
-          <a:bodyPr rtlCol="0" anchor="ctr"/>
-          <a:lstStyle/>
-          <a:p>
-            <a:pPr algn="ctr"/>
-            <a:endParaRPr lang="en-US"/>
-          </a:p>
-        </p:txBody>
-      </p:sp>
-      <p:pic>
-        <p:nvPicPr>
-          <p:cNvPr id="7" name="Picture 6">
-            <a:extLst>
-              <a:ext uri="{FF2B5EF4-FFF2-40B4-BE49-F238E27FC236}">
-                <a16:creationId xmlns:a16="http://schemas.microsoft.com/office/drawing/2014/main" id="{EC778269-6B82-7642-BEBF-7DA9EF8812B3}"/>
-              </a:ext>
-            </a:extLst>
-          </p:cNvPr>
-          <p:cNvPicPr>
-            <a:picLocks noChangeAspect="1"/>
-          </p:cNvPicPr>
-          <p:nvPr/>
-        </p:nvPicPr>
-        <p:blipFill>
-          <a:blip r:embed="rId2"/>
-          <a:stretch>
-            <a:fillRect/>
-          </a:stretch>
-        </p:blipFill>
+        <p:txBody>
+          <a:bodyPr anchor="ctr">
+            <a:normAutofit/>
+          </a:bodyPr>
+          <a:lstStyle/>
+          <a:p>
+            <a:r>
+              <a:rPr lang="en-US" sz="4800"/>
+              <a:t>Optimizer	</a:t>
+            </a:r>
+          </a:p>
+        </p:txBody>
+      </p:sp>
+      <p:sp>
+        <p:nvSpPr>
+          <p:cNvPr id="3" name="Content Placeholder 2">
+            <a:extLst>
+              <a:ext uri="{FF2B5EF4-FFF2-40B4-BE49-F238E27FC236}">
+                <a16:creationId xmlns:a16="http://schemas.microsoft.com/office/drawing/2014/main" id="{811FB713-FA77-514E-B85D-3A3AFA2C2941}"/>
+              </a:ext>
+            </a:extLst>
+          </p:cNvPr>
+          <p:cNvSpPr>
+            <a:spLocks noGrp="1"/>
+          </p:cNvSpPr>
+          <p:nvPr>
+            <p:ph idx="1"/>
+          </p:nvPr>
+        </p:nvSpPr>
         <p:spPr>
           <a:xfrm>
-            <a:off x="622549" y="1412972"/>
-            <a:ext cx="3122143" cy="936642"/>
+            <a:off x="5936104" y="1131482"/>
+            <a:ext cx="5417695" cy="4595037"/>
           </a:xfrm>
-          <a:prstGeom prst="rect">
-            <a:avLst/>
-          </a:prstGeom>
         </p:spPr>
-      </p:pic>
-      <p:sp>
-        <p:nvSpPr>
-          <p:cNvPr id="21" name="Rectangle 20">
-            <a:extLst>
-              <a:ext uri="{FF2B5EF4-FFF2-40B4-BE49-F238E27FC236}">
-                <a16:creationId xmlns:a16="http://schemas.microsoft.com/office/drawing/2014/main" id="{8FC8C21F-9484-4A71-ABFA-6C10682FAC3E}"/>
-              </a:ext>
-              <a:ext uri="{C183D7F6-B498-43B3-948B-1728B52AA6E4}">
-                <adec:decorative xmlns:adec="http://schemas.microsoft.com/office/drawing/2017/decorative" val="1"/>
-              </a:ext>
-            </a:extLst>
-          </p:cNvPr>
-          <p:cNvSpPr>
-            <a:spLocks noGrp="1" noRot="1" noChangeAspect="1" noMove="1" noResize="1" noEditPoints="1" noAdjustHandles="1" noChangeArrowheads="1" noChangeShapeType="1" noTextEdit="1"/>
-          </p:cNvSpPr>
-          <p:nvPr>
-            <p:extLst>
-              <p:ext uri="{386F3935-93C4-4BCD-93E2-E3B085C9AB24}">
-                <p16:designElem xmlns:p16="http://schemas.microsoft.com/office/powerpoint/2015/main" val="1"/>
-              </p:ext>
-            </p:extLst>
-          </p:nvPr>
-        </p:nvSpPr>
-        <p:spPr>
-          <a:xfrm>
-            <a:off x="461331" y="3603670"/>
-            <a:ext cx="3442553" cy="2788074"/>
-          </a:xfrm>
-          <a:prstGeom prst="rect">
-            <a:avLst/>
-          </a:prstGeom>
-          <a:solidFill>
-            <a:schemeClr val="bg1"/>
-          </a:solidFill>
-          <a:ln w="19050">
-            <a:noFill/>
-          </a:ln>
-        </p:spPr>
-        <p:style>
-          <a:lnRef idx="2">
-            <a:schemeClr val="accent1">
-              <a:shade val="50000"/>
-            </a:schemeClr>
-          </a:lnRef>
-          <a:fillRef idx="1">
-            <a:schemeClr val="accent1"/>
-          </a:fillRef>
-          <a:effectRef idx="0">
-            <a:schemeClr val="accent1"/>
-          </a:effectRef>
-          <a:fontRef idx="minor">
-            <a:schemeClr val="lt1"/>
-          </a:fontRef>
-        </p:style>
-        <p:txBody>
-          <a:bodyPr rtlCol="0" anchor="ctr"/>
-          <a:lstStyle/>
-          <a:p>
-            <a:pPr algn="ctr"/>
-            <a:endParaRPr lang="en-US"/>
-          </a:p>
-        </p:txBody>
-      </p:sp>
-      <p:pic>
-        <p:nvPicPr>
-          <p:cNvPr id="8" name="Picture 7">
-            <a:extLst>
-              <a:ext uri="{FF2B5EF4-FFF2-40B4-BE49-F238E27FC236}">
-                <a16:creationId xmlns:a16="http://schemas.microsoft.com/office/drawing/2014/main" id="{D7B2F2C8-8944-9748-AB52-A3A91BEFCB6F}"/>
-              </a:ext>
-            </a:extLst>
-          </p:cNvPr>
-          <p:cNvPicPr>
-            <a:picLocks noChangeAspect="1"/>
-          </p:cNvPicPr>
-          <p:nvPr/>
-        </p:nvPicPr>
-        <p:blipFill>
-          <a:blip r:embed="rId3"/>
-          <a:stretch>
-            <a:fillRect/>
-          </a:stretch>
-        </p:blipFill>
-        <p:spPr>
-          <a:xfrm>
-            <a:off x="622549" y="4143321"/>
-            <a:ext cx="3104943" cy="1681377"/>
-          </a:xfrm>
-          <a:prstGeom prst="rect">
-            <a:avLst/>
-          </a:prstGeom>
-        </p:spPr>
-      </p:pic>
-      <p:sp>
-        <p:nvSpPr>
-          <p:cNvPr id="23" name="Rectangle 22">
-            <a:extLst>
-              <a:ext uri="{FF2B5EF4-FFF2-40B4-BE49-F238E27FC236}">
-                <a16:creationId xmlns:a16="http://schemas.microsoft.com/office/drawing/2014/main" id="{2C444748-5A8D-4B53-89FE-42B455DFA2D1}"/>
-              </a:ext>
-              <a:ext uri="{C183D7F6-B498-43B3-948B-1728B52AA6E4}">
-                <adec:decorative xmlns:adec="http://schemas.microsoft.com/office/drawing/2017/decorative" val="1"/>
-              </a:ext>
-            </a:extLst>
-          </p:cNvPr>
-          <p:cNvSpPr>
-            <a:spLocks noGrp="1" noRot="1" noChangeAspect="1" noMove="1" noResize="1" noEditPoints="1" noAdjustHandles="1" noChangeArrowheads="1" noChangeShapeType="1" noTextEdit="1"/>
-          </p:cNvSpPr>
-          <p:nvPr>
-            <p:extLst>
-              <p:ext uri="{386F3935-93C4-4BCD-93E2-E3B085C9AB24}">
-                <p16:designElem xmlns:p16="http://schemas.microsoft.com/office/powerpoint/2015/main" val="1"/>
-              </p:ext>
-            </p:extLst>
-          </p:nvPr>
-        </p:nvSpPr>
-        <p:spPr>
-          <a:xfrm>
-            <a:off x="4225618" y="487090"/>
-            <a:ext cx="3588171" cy="5897880"/>
-          </a:xfrm>
-          <a:prstGeom prst="rect">
-            <a:avLst/>
-          </a:prstGeom>
-          <a:solidFill>
-            <a:schemeClr val="bg1"/>
-          </a:solidFill>
-          <a:ln w="19050">
-            <a:noFill/>
-          </a:ln>
-        </p:spPr>
-        <p:style>
-          <a:lnRef idx="2">
-            <a:schemeClr val="accent1">
-              <a:shade val="50000"/>
-            </a:schemeClr>
-          </a:lnRef>
-          <a:fillRef idx="1">
-            <a:schemeClr val="accent1"/>
-          </a:fillRef>
-          <a:effectRef idx="0">
-            <a:schemeClr val="accent1"/>
-          </a:effectRef>
-          <a:fontRef idx="minor">
-            <a:schemeClr val="lt1"/>
-          </a:fontRef>
-        </p:style>
-        <p:txBody>
-          <a:bodyPr rtlCol="0" anchor="ctr"/>
-          <a:lstStyle/>
-          <a:p>
-            <a:pPr algn="ctr"/>
-            <a:endParaRPr lang="en-US"/>
-          </a:p>
-        </p:txBody>
-      </p:sp>
-      <p:pic>
-        <p:nvPicPr>
-          <p:cNvPr id="9" name="Picture 8">
-            <a:extLst>
-              <a:ext uri="{FF2B5EF4-FFF2-40B4-BE49-F238E27FC236}">
-                <a16:creationId xmlns:a16="http://schemas.microsoft.com/office/drawing/2014/main" id="{4C17AFB2-8129-E944-AD0E-FA5CDFDFDF95}"/>
-              </a:ext>
-            </a:extLst>
-          </p:cNvPr>
-          <p:cNvPicPr>
-            <a:picLocks noChangeAspect="1"/>
-          </p:cNvPicPr>
-          <p:nvPr/>
-        </p:nvPicPr>
-        <p:blipFill>
-          <a:blip r:embed="rId4"/>
-          <a:stretch>
-            <a:fillRect/>
-          </a:stretch>
-        </p:blipFill>
-        <p:spPr>
-          <a:xfrm>
-            <a:off x="4381676" y="1809578"/>
-            <a:ext cx="3252903" cy="3252903"/>
-          </a:xfrm>
-          <a:prstGeom prst="rect">
-            <a:avLst/>
-          </a:prstGeom>
-        </p:spPr>
-      </p:pic>
-      <p:sp>
-        <p:nvSpPr>
-          <p:cNvPr id="25" name="Rectangle 24">
-            <a:extLst>
-              <a:ext uri="{FF2B5EF4-FFF2-40B4-BE49-F238E27FC236}">
-                <a16:creationId xmlns:a16="http://schemas.microsoft.com/office/drawing/2014/main" id="{14044C96-7CFD-44DB-A579-D77B0D37C681}"/>
-              </a:ext>
-              <a:ext uri="{C183D7F6-B498-43B3-948B-1728B52AA6E4}">
-                <adec:decorative xmlns:adec="http://schemas.microsoft.com/office/drawing/2017/decorative" val="1"/>
-              </a:ext>
-            </a:extLst>
-          </p:cNvPr>
-          <p:cNvSpPr>
-            <a:spLocks noGrp="1" noRot="1" noChangeAspect="1" noMove="1" noResize="1" noEditPoints="1" noAdjustHandles="1" noChangeArrowheads="1" noChangeShapeType="1" noTextEdit="1"/>
-          </p:cNvSpPr>
-          <p:nvPr>
-            <p:extLst>
-              <p:ext uri="{386F3935-93C4-4BCD-93E2-E3B085C9AB24}">
-                <p16:designElem xmlns:p16="http://schemas.microsoft.com/office/powerpoint/2015/main" val="1"/>
-              </p:ext>
-            </p:extLst>
-          </p:nvPr>
-        </p:nvSpPr>
-        <p:spPr>
-          <a:xfrm>
-            <a:off x="8135524" y="487090"/>
-            <a:ext cx="3588174" cy="5897880"/>
-          </a:xfrm>
-          <a:prstGeom prst="rect">
-            <a:avLst/>
-          </a:prstGeom>
-          <a:solidFill>
-            <a:schemeClr val="bg1"/>
-          </a:solidFill>
-          <a:ln w="19050">
-            <a:noFill/>
-          </a:ln>
-        </p:spPr>
-        <p:style>
-          <a:lnRef idx="2">
-            <a:schemeClr val="accent1">
-              <a:shade val="50000"/>
-            </a:schemeClr>
-          </a:lnRef>
-          <a:fillRef idx="1">
-            <a:schemeClr val="accent1"/>
-          </a:fillRef>
-          <a:effectRef idx="0">
-            <a:schemeClr val="accent1"/>
-          </a:effectRef>
-          <a:fontRef idx="minor">
-            <a:schemeClr val="lt1"/>
-          </a:fontRef>
-        </p:style>
-        <p:txBody>
-          <a:bodyPr rtlCol="0" anchor="ctr"/>
-          <a:lstStyle/>
-          <a:p>
-            <a:pPr algn="ctr"/>
-            <a:endParaRPr lang="en-US"/>
-          </a:p>
-        </p:txBody>
-      </p:sp>
-      <p:pic>
-        <p:nvPicPr>
-          <p:cNvPr id="5" name="Picture 4">
-            <a:extLst>
-              <a:ext uri="{FF2B5EF4-FFF2-40B4-BE49-F238E27FC236}">
-                <a16:creationId xmlns:a16="http://schemas.microsoft.com/office/drawing/2014/main" id="{D89B03DE-9329-D24F-8C0A-7FF1396CD81C}"/>
-              </a:ext>
-            </a:extLst>
-          </p:cNvPr>
-          <p:cNvPicPr>
-            <a:picLocks noChangeAspect="1"/>
-          </p:cNvPicPr>
-          <p:nvPr/>
-        </p:nvPicPr>
-        <p:blipFill>
-          <a:blip r:embed="rId5"/>
-          <a:stretch>
-            <a:fillRect/>
-          </a:stretch>
-        </p:blipFill>
-        <p:spPr>
-          <a:xfrm>
-            <a:off x="8313518" y="2508953"/>
-            <a:ext cx="3252903" cy="1854153"/>
-          </a:xfrm>
-          <a:prstGeom prst="rect">
-            <a:avLst/>
-          </a:prstGeom>
-        </p:spPr>
-      </p:pic>
-      <p:sp>
-        <p:nvSpPr>
-          <p:cNvPr id="6" name="Rectangle 5">
-            <a:extLst>
-              <a:ext uri="{FF2B5EF4-FFF2-40B4-BE49-F238E27FC236}">
-                <a16:creationId xmlns:a16="http://schemas.microsoft.com/office/drawing/2014/main" id="{21C1DC96-8520-6D40-81BA-2344D46F1EF7}"/>
-              </a:ext>
-            </a:extLst>
-          </p:cNvPr>
-          <p:cNvSpPr/>
-          <p:nvPr/>
-        </p:nvSpPr>
-        <p:spPr>
-          <a:xfrm>
-            <a:off x="8104690" y="784396"/>
-            <a:ext cx="3619007" cy="923330"/>
-          </a:xfrm>
-          <a:prstGeom prst="rect">
-            <a:avLst/>
-          </a:prstGeom>
-        </p:spPr>
-        <p:txBody>
-          <a:bodyPr wrap="square">
-            <a:spAutoFit/>
+        <p:txBody>
+          <a:bodyPr anchor="ctr">
+            <a:normAutofit/>
           </a:bodyPr>
           <a:lstStyle/>
           <a:p>
-            <a:pPr algn="ctr">
-              <a:spcAft>
-                <a:spcPts val="600"/>
-              </a:spcAft>
-            </a:pPr>
-            <a:r>
-              <a:rPr lang="en-US" dirty="0">
-                <a:hlinkClick r:id="rId6"/>
-              </a:rPr>
-              <a:t>https://pandas.pydata.org/pandas-docs/version/0.15/tutorials.html#pandas-cookbook</a:t>
+            <a:r>
+              <a:rPr lang="en-US" sz="2400" dirty="0"/>
+              <a:t>Gradient Descent </a:t>
+            </a:r>
+          </a:p>
+          <a:p>
+            <a:pPr lvl="1"/>
+            <a:r>
+              <a:rPr lang="en-US" b="1" dirty="0"/>
+              <a:t>SGD</a:t>
+            </a:r>
+            <a:r>
+              <a:rPr lang="en-US" dirty="0"/>
+              <a:t> </a:t>
+            </a:r>
+          </a:p>
+          <a:p>
+            <a:r>
+              <a:rPr lang="en-US" sz="2400" dirty="0"/>
+              <a:t>Other </a:t>
+            </a:r>
+          </a:p>
+          <a:p>
+            <a:pPr lvl="1"/>
+            <a:r>
+              <a:rPr lang="en-US" dirty="0"/>
+              <a:t>Momentum optimization </a:t>
+            </a:r>
+          </a:p>
+          <a:p>
+            <a:pPr lvl="1"/>
+            <a:r>
+              <a:rPr lang="en-US" dirty="0" err="1"/>
+              <a:t>AdaGrad</a:t>
+            </a:r>
+            <a:r>
+              <a:rPr lang="en-US" dirty="0"/>
+              <a:t>,</a:t>
+            </a:r>
+          </a:p>
+          <a:p>
+            <a:pPr lvl="1"/>
+            <a:r>
+              <a:rPr lang="en-US" dirty="0" err="1"/>
+              <a:t>RMSProp</a:t>
             </a:r>
             <a:endParaRPr lang="en-US" dirty="0"/>
           </a:p>
-        </p:txBody>
-      </p:sp>
-      <p:sp>
-        <p:nvSpPr>
-          <p:cNvPr id="10" name="Rectangle 9">
-            <a:extLst>
-              <a:ext uri="{FF2B5EF4-FFF2-40B4-BE49-F238E27FC236}">
-                <a16:creationId xmlns:a16="http://schemas.microsoft.com/office/drawing/2014/main" id="{6A36835D-D8D3-6444-95D1-EE98ABC19DD6}"/>
-              </a:ext>
-            </a:extLst>
-          </p:cNvPr>
-          <p:cNvSpPr/>
-          <p:nvPr/>
-        </p:nvSpPr>
-        <p:spPr>
-          <a:xfrm>
-            <a:off x="969486" y="2685150"/>
-            <a:ext cx="2008691" cy="369332"/>
-          </a:xfrm>
-          <a:prstGeom prst="rect">
-            <a:avLst/>
-          </a:prstGeom>
-        </p:spPr>
-        <p:txBody>
-          <a:bodyPr wrap="none">
-            <a:spAutoFit/>
-          </a:bodyPr>
-          <a:lstStyle/>
-          <a:p>
-            <a:pPr algn="ctr">
-              <a:spcAft>
-                <a:spcPts val="600"/>
-              </a:spcAft>
-            </a:pPr>
-            <a:r>
-              <a:rPr lang="en-US" dirty="0">
-                <a:hlinkClick r:id="rId7"/>
-              </a:rPr>
-              <a:t>https://numpy.org/</a:t>
-            </a:r>
-            <a:endParaRPr lang="en-US" dirty="0"/>
-          </a:p>
-        </p:txBody>
-      </p:sp>
-      <p:sp>
-        <p:nvSpPr>
-          <p:cNvPr id="11" name="Rectangle 10">
-            <a:extLst>
-              <a:ext uri="{FF2B5EF4-FFF2-40B4-BE49-F238E27FC236}">
-                <a16:creationId xmlns:a16="http://schemas.microsoft.com/office/drawing/2014/main" id="{F5BFA8F3-3E84-8740-8513-72219154CA25}"/>
-              </a:ext>
-            </a:extLst>
-          </p:cNvPr>
-          <p:cNvSpPr/>
-          <p:nvPr/>
-        </p:nvSpPr>
-        <p:spPr>
-          <a:xfrm>
-            <a:off x="594557" y="3623119"/>
-            <a:ext cx="3032818" cy="369332"/>
-          </a:xfrm>
-          <a:prstGeom prst="rect">
-            <a:avLst/>
-          </a:prstGeom>
-        </p:spPr>
-        <p:txBody>
-          <a:bodyPr wrap="none">
-            <a:spAutoFit/>
-          </a:bodyPr>
-          <a:lstStyle/>
-          <a:p>
-            <a:pPr algn="ctr">
-              <a:spcAft>
-                <a:spcPts val="600"/>
-              </a:spcAft>
-            </a:pPr>
-            <a:r>
-              <a:rPr lang="en-US" dirty="0">
-                <a:hlinkClick r:id="rId8"/>
-              </a:rPr>
-              <a:t>https://scikit-learn.org/stable/</a:t>
-            </a:r>
-            <a:endParaRPr lang="en-US" dirty="0"/>
-          </a:p>
-        </p:txBody>
-      </p:sp>
-      <p:sp>
-        <p:nvSpPr>
-          <p:cNvPr id="12" name="Rectangle 11">
-            <a:extLst>
-              <a:ext uri="{FF2B5EF4-FFF2-40B4-BE49-F238E27FC236}">
-                <a16:creationId xmlns:a16="http://schemas.microsoft.com/office/drawing/2014/main" id="{571A83AB-76C6-9843-B665-00D46F49617B}"/>
-              </a:ext>
-            </a:extLst>
-          </p:cNvPr>
-          <p:cNvSpPr/>
-          <p:nvPr/>
-        </p:nvSpPr>
-        <p:spPr>
-          <a:xfrm>
-            <a:off x="4663859" y="5539059"/>
-            <a:ext cx="2904321" cy="369332"/>
-          </a:xfrm>
-          <a:prstGeom prst="rect">
-            <a:avLst/>
-          </a:prstGeom>
-        </p:spPr>
-        <p:txBody>
-          <a:bodyPr wrap="none">
-            <a:spAutoFit/>
-          </a:bodyPr>
-          <a:lstStyle/>
-          <a:p>
-            <a:pPr algn="ctr">
-              <a:spcAft>
-                <a:spcPts val="600"/>
-              </a:spcAft>
-            </a:pPr>
-            <a:r>
-              <a:rPr lang="en-US" dirty="0">
-                <a:hlinkClick r:id="rId9"/>
-              </a:rPr>
-              <a:t>https://www.tensorflow.org/</a:t>
-            </a:r>
+          <a:p>
+            <a:pPr lvl="1"/>
+            <a:r>
+              <a:rPr lang="en-US" dirty="0"/>
+              <a:t>Adam </a:t>
+            </a:r>
+          </a:p>
+          <a:p>
+            <a:pPr lvl="1"/>
             <a:endParaRPr lang="en-US" dirty="0"/>
           </a:p>
         </p:txBody>
@@ -4772,7 +4165,7 @@
     </p:spTree>
     <p:extLst>
       <p:ext uri="{BB962C8B-B14F-4D97-AF65-F5344CB8AC3E}">
-        <p14:creationId xmlns:p14="http://schemas.microsoft.com/office/powerpoint/2010/main" val="100425609"/>
+        <p14:creationId xmlns:p14="http://schemas.microsoft.com/office/powerpoint/2010/main" val="3690621201"/>
       </p:ext>
     </p:extLst>
   </p:cSld>
@@ -4799,12 +4192,255 @@
           <a:chExt cx="0" cy="0"/>
         </a:xfrm>
       </p:grpSpPr>
+      <p:sp>
+        <p:nvSpPr>
+          <p:cNvPr id="7" name="TextBox 6">
+            <a:extLst>
+              <a:ext uri="{FF2B5EF4-FFF2-40B4-BE49-F238E27FC236}">
+                <a16:creationId xmlns:a16="http://schemas.microsoft.com/office/drawing/2014/main" id="{78171321-1F9A-394F-82A1-097E041EADF1}"/>
+              </a:ext>
+            </a:extLst>
+          </p:cNvPr>
+          <p:cNvSpPr txBox="1"/>
+          <p:nvPr/>
+        </p:nvSpPr>
+        <p:spPr>
+          <a:xfrm>
+            <a:off x="9203267" y="589281"/>
+            <a:ext cx="3398518" cy="5255364"/>
+          </a:xfrm>
+        </p:spPr>
+        <p:txBody>
+          <a:bodyPr vert="horz" lIns="91440" tIns="45720" rIns="91440" bIns="45720" rtlCol="0" anchor="ctr">
+            <a:normAutofit/>
+          </a:bodyPr>
+          <a:lstStyle/>
+          <a:p>
+            <a:pPr>
+              <a:lnSpc>
+                <a:spcPct val="90000"/>
+              </a:lnSpc>
+              <a:spcBef>
+                <a:spcPct val="0"/>
+              </a:spcBef>
+              <a:spcAft>
+                <a:spcPts val="600"/>
+              </a:spcAft>
+            </a:pPr>
+            <a:r>
+              <a:rPr lang="zh-CN" altLang="en-US" sz="4800" dirty="0">
+                <a:latin typeface="+mj-lt"/>
+                <a:ea typeface="+mj-ea"/>
+                <a:cs typeface="+mj-cs"/>
+              </a:rPr>
+              <a:t>作业</a:t>
+            </a:r>
+            <a:r>
+              <a:rPr lang="en-US" altLang="zh-CN" sz="4800" dirty="0">
+                <a:latin typeface="+mj-lt"/>
+                <a:ea typeface="+mj-ea"/>
+                <a:cs typeface="+mj-cs"/>
+              </a:rPr>
+              <a:t>3</a:t>
+            </a:r>
+            <a:endParaRPr lang="en-US" sz="4800" dirty="0">
+              <a:latin typeface="+mj-lt"/>
+              <a:ea typeface="+mj-ea"/>
+              <a:cs typeface="+mj-cs"/>
+            </a:endParaRPr>
+          </a:p>
+        </p:txBody>
+      </p:sp>
+      <p:sp>
+        <p:nvSpPr>
+          <p:cNvPr id="10" name="TextBox 9">
+            <a:extLst>
+              <a:ext uri="{FF2B5EF4-FFF2-40B4-BE49-F238E27FC236}">
+                <a16:creationId xmlns:a16="http://schemas.microsoft.com/office/drawing/2014/main" id="{A8883954-51E4-5F42-808E-A786754485B5}"/>
+              </a:ext>
+            </a:extLst>
+          </p:cNvPr>
+          <p:cNvSpPr txBox="1"/>
+          <p:nvPr/>
+        </p:nvSpPr>
+        <p:spPr>
+          <a:xfrm>
+            <a:off x="598098" y="1000137"/>
+            <a:ext cx="301686" cy="369332"/>
+          </a:xfrm>
+          <a:prstGeom prst="rect">
+            <a:avLst/>
+          </a:prstGeom>
+          <a:noFill/>
+        </p:spPr>
+        <p:txBody>
+          <a:bodyPr wrap="none" rtlCol="0">
+            <a:spAutoFit/>
+          </a:bodyPr>
+          <a:lstStyle/>
+          <a:p>
+            <a:r>
+              <a:rPr lang="en-US"/>
+              <a:t>1</a:t>
+            </a:r>
+            <a:endParaRPr lang="en-US" dirty="0"/>
+          </a:p>
+        </p:txBody>
+      </p:sp>
+      <p:sp>
+        <p:nvSpPr>
+          <p:cNvPr id="11" name="TextBox 10">
+            <a:extLst>
+              <a:ext uri="{FF2B5EF4-FFF2-40B4-BE49-F238E27FC236}">
+                <a16:creationId xmlns:a16="http://schemas.microsoft.com/office/drawing/2014/main" id="{D4AA8973-4745-084D-AA55-74817865ACB3}"/>
+              </a:ext>
+            </a:extLst>
+          </p:cNvPr>
+          <p:cNvSpPr txBox="1"/>
+          <p:nvPr/>
+        </p:nvSpPr>
+        <p:spPr>
+          <a:xfrm>
+            <a:off x="598098" y="1582155"/>
+            <a:ext cx="301686" cy="369332"/>
+          </a:xfrm>
+          <a:prstGeom prst="rect">
+            <a:avLst/>
+          </a:prstGeom>
+          <a:noFill/>
+        </p:spPr>
+        <p:txBody>
+          <a:bodyPr wrap="none" rtlCol="0">
+            <a:spAutoFit/>
+          </a:bodyPr>
+          <a:lstStyle/>
+          <a:p>
+            <a:r>
+              <a:rPr lang="en-US"/>
+              <a:t>2</a:t>
+            </a:r>
+            <a:endParaRPr lang="en-US" dirty="0"/>
+          </a:p>
+        </p:txBody>
+      </p:sp>
+      <p:sp>
+        <p:nvSpPr>
+          <p:cNvPr id="12" name="TextBox 11">
+            <a:extLst>
+              <a:ext uri="{FF2B5EF4-FFF2-40B4-BE49-F238E27FC236}">
+                <a16:creationId xmlns:a16="http://schemas.microsoft.com/office/drawing/2014/main" id="{9E12B2D4-D03E-4B48-AA7A-9443BA83F95F}"/>
+              </a:ext>
+            </a:extLst>
+          </p:cNvPr>
+          <p:cNvSpPr txBox="1"/>
+          <p:nvPr/>
+        </p:nvSpPr>
+        <p:spPr>
+          <a:xfrm>
+            <a:off x="1524000" y="1579278"/>
+            <a:ext cx="2031325" cy="369332"/>
+          </a:xfrm>
+          <a:prstGeom prst="rect">
+            <a:avLst/>
+          </a:prstGeom>
+          <a:noFill/>
+        </p:spPr>
+        <p:txBody>
+          <a:bodyPr wrap="none" rtlCol="0">
+            <a:spAutoFit/>
+          </a:bodyPr>
+          <a:lstStyle/>
+          <a:p>
+            <a:r>
+              <a:rPr lang="zh-CN" altLang="en-US" dirty="0"/>
+              <a:t>创建一个类方法，</a:t>
+            </a:r>
+            <a:endParaRPr lang="en-US" dirty="0"/>
+          </a:p>
+        </p:txBody>
+      </p:sp>
+      <p:sp>
+        <p:nvSpPr>
+          <p:cNvPr id="2" name="TextBox 1">
+            <a:extLst>
+              <a:ext uri="{FF2B5EF4-FFF2-40B4-BE49-F238E27FC236}">
+                <a16:creationId xmlns:a16="http://schemas.microsoft.com/office/drawing/2014/main" id="{354D098D-5B89-4F46-9AE4-F55B365F90E0}"/>
+              </a:ext>
+            </a:extLst>
+          </p:cNvPr>
+          <p:cNvSpPr txBox="1"/>
+          <p:nvPr/>
+        </p:nvSpPr>
+        <p:spPr>
+          <a:xfrm>
+            <a:off x="1524000" y="1146629"/>
+            <a:ext cx="6590009" cy="369332"/>
+          </a:xfrm>
+          <a:prstGeom prst="rect">
+            <a:avLst/>
+          </a:prstGeom>
+          <a:noFill/>
+        </p:spPr>
+        <p:txBody>
+          <a:bodyPr wrap="none" rtlCol="0">
+            <a:spAutoFit/>
+          </a:bodyPr>
+          <a:lstStyle/>
+          <a:p>
+            <a:r>
+              <a:rPr lang="zh-CN" altLang="en-US" dirty="0"/>
+              <a:t>把课上学的</a:t>
+            </a:r>
+            <a:r>
+              <a:rPr lang="en-US" altLang="zh-CN" dirty="0" err="1"/>
+              <a:t>polyfit</a:t>
+            </a:r>
+            <a:r>
+              <a:rPr lang="zh-CN" altLang="en-US" dirty="0"/>
+              <a:t> 的</a:t>
+            </a:r>
+            <a:r>
+              <a:rPr lang="en-US" altLang="zh-CN" dirty="0"/>
+              <a:t>degree</a:t>
+            </a:r>
+            <a:r>
+              <a:rPr lang="zh-CN" altLang="en-US" dirty="0"/>
+              <a:t> 从</a:t>
+            </a:r>
+            <a:r>
+              <a:rPr lang="en-US" altLang="zh-CN" dirty="0"/>
+              <a:t>1</a:t>
+            </a:r>
+            <a:r>
+              <a:rPr lang="zh-CN" altLang="en-US" dirty="0"/>
+              <a:t> 到</a:t>
+            </a:r>
+            <a:r>
+              <a:rPr lang="en-US" altLang="zh-CN" dirty="0"/>
+              <a:t>10</a:t>
+            </a:r>
+            <a:r>
+              <a:rPr lang="zh-CN" altLang="en-US" dirty="0"/>
+              <a:t> 都画出来，分析哪个</a:t>
+            </a:r>
+            <a:r>
+              <a:rPr lang="en-US" altLang="zh-CN" dirty="0"/>
+              <a:t>fit</a:t>
+            </a:r>
+            <a:r>
+              <a:rPr lang="zh-CN" altLang="en-US" dirty="0"/>
+              <a:t>最好</a:t>
+            </a:r>
+            <a:endParaRPr lang="en-US" dirty="0"/>
+          </a:p>
+        </p:txBody>
+      </p:sp>
       <p:pic>
         <p:nvPicPr>
-          <p:cNvPr id="3" name="Picture 2">
-            <a:extLst>
-              <a:ext uri="{FF2B5EF4-FFF2-40B4-BE49-F238E27FC236}">
-                <a16:creationId xmlns:a16="http://schemas.microsoft.com/office/drawing/2014/main" id="{4DB4B688-0553-204E-BEB7-4D2A61E288D4}"/>
+          <p:cNvPr id="5" name="Picture 4">
+            <a:extLst>
+              <a:ext uri="{FF2B5EF4-FFF2-40B4-BE49-F238E27FC236}">
+                <a16:creationId xmlns:a16="http://schemas.microsoft.com/office/drawing/2014/main" id="{876A2C6E-9A9B-E34F-A58D-5A6B274F4391}"/>
               </a:ext>
             </a:extLst>
           </p:cNvPr>
@@ -4821,1037 +4457,14 @@
         </p:blipFill>
         <p:spPr>
           <a:xfrm>
-            <a:off x="162231" y="261181"/>
-            <a:ext cx="6225999" cy="3912613"/>
+            <a:off x="2231004" y="2011927"/>
+            <a:ext cx="6046312" cy="4724400"/>
           </a:xfrm>
           <a:prstGeom prst="rect">
             <a:avLst/>
           </a:prstGeom>
         </p:spPr>
       </p:pic>
-      <p:pic>
-        <p:nvPicPr>
-          <p:cNvPr id="8" name="Picture 7">
-            <a:extLst>
-              <a:ext uri="{FF2B5EF4-FFF2-40B4-BE49-F238E27FC236}">
-                <a16:creationId xmlns:a16="http://schemas.microsoft.com/office/drawing/2014/main" id="{AD7CD961-3CAA-C746-A089-FD6B58C7FAD6}"/>
-              </a:ext>
-            </a:extLst>
-          </p:cNvPr>
-          <p:cNvPicPr>
-            <a:picLocks noChangeAspect="1"/>
-          </p:cNvPicPr>
-          <p:nvPr/>
-        </p:nvPicPr>
-        <p:blipFill>
-          <a:blip r:embed="rId3"/>
-          <a:stretch>
-            <a:fillRect/>
-          </a:stretch>
-        </p:blipFill>
-        <p:spPr>
-          <a:xfrm>
-            <a:off x="6388230" y="1079327"/>
-            <a:ext cx="5146136" cy="1981352"/>
-          </a:xfrm>
-          <a:prstGeom prst="rect">
-            <a:avLst/>
-          </a:prstGeom>
-        </p:spPr>
-      </p:pic>
-      <p:sp>
-        <p:nvSpPr>
-          <p:cNvPr id="2" name="TextBox 1">
-            <a:extLst>
-              <a:ext uri="{FF2B5EF4-FFF2-40B4-BE49-F238E27FC236}">
-                <a16:creationId xmlns:a16="http://schemas.microsoft.com/office/drawing/2014/main" id="{C8A82A7E-4AD5-D54F-B337-B5E2DFC780C7}"/>
-              </a:ext>
-            </a:extLst>
-          </p:cNvPr>
-          <p:cNvSpPr txBox="1"/>
-          <p:nvPr/>
-        </p:nvSpPr>
-        <p:spPr>
-          <a:xfrm>
-            <a:off x="6651523" y="4173794"/>
-            <a:ext cx="1527982" cy="646331"/>
-          </a:xfrm>
-          <a:prstGeom prst="rect">
-            <a:avLst/>
-          </a:prstGeom>
-          <a:noFill/>
-        </p:spPr>
-        <p:txBody>
-          <a:bodyPr wrap="none" rtlCol="0">
-            <a:spAutoFit/>
-          </a:bodyPr>
-          <a:lstStyle/>
-          <a:p>
-            <a:r>
-              <a:rPr lang="en-US" dirty="0"/>
-              <a:t>Loss function  </a:t>
-            </a:r>
-          </a:p>
-          <a:p>
-            <a:endParaRPr lang="en-US" dirty="0"/>
-          </a:p>
-        </p:txBody>
-      </p:sp>
-      <p:pic>
-        <p:nvPicPr>
-          <p:cNvPr id="5" name="Picture 4">
-            <a:extLst>
-              <a:ext uri="{FF2B5EF4-FFF2-40B4-BE49-F238E27FC236}">
-                <a16:creationId xmlns:a16="http://schemas.microsoft.com/office/drawing/2014/main" id="{15FC9783-4C35-534C-95B8-C0E0B8D20A0C}"/>
-              </a:ext>
-            </a:extLst>
-          </p:cNvPr>
-          <p:cNvPicPr>
-            <a:picLocks noChangeAspect="1"/>
-          </p:cNvPicPr>
-          <p:nvPr/>
-        </p:nvPicPr>
-        <p:blipFill>
-          <a:blip r:embed="rId4"/>
-          <a:stretch>
-            <a:fillRect/>
-          </a:stretch>
-        </p:blipFill>
-        <p:spPr>
-          <a:xfrm>
-            <a:off x="6651523" y="5050708"/>
-            <a:ext cx="4787900" cy="1181100"/>
-          </a:xfrm>
-          <a:prstGeom prst="rect">
-            <a:avLst/>
-          </a:prstGeom>
-        </p:spPr>
-      </p:pic>
-      <p:sp>
-        <p:nvSpPr>
-          <p:cNvPr id="7" name="TextBox 6">
-            <a:extLst>
-              <a:ext uri="{FF2B5EF4-FFF2-40B4-BE49-F238E27FC236}">
-                <a16:creationId xmlns:a16="http://schemas.microsoft.com/office/drawing/2014/main" id="{771F28A6-D53F-9D43-BB78-B4212603E9F1}"/>
-              </a:ext>
-            </a:extLst>
-          </p:cNvPr>
-          <p:cNvSpPr txBox="1"/>
-          <p:nvPr/>
-        </p:nvSpPr>
-        <p:spPr>
-          <a:xfrm>
-            <a:off x="520860" y="6007261"/>
-            <a:ext cx="740908" cy="369332"/>
-          </a:xfrm>
-          <a:prstGeom prst="rect">
-            <a:avLst/>
-          </a:prstGeom>
-          <a:noFill/>
-        </p:spPr>
-        <p:txBody>
-          <a:bodyPr wrap="none" rtlCol="0">
-            <a:spAutoFit/>
-          </a:bodyPr>
-          <a:lstStyle/>
-          <a:p>
-            <a:r>
-              <a:rPr lang="en-US" dirty="0"/>
-              <a:t>X </a:t>
-            </a:r>
-            <a:r>
-              <a:rPr lang="en-US" dirty="0">
-                <a:sym typeface="Wingdings" pitchFamily="2" charset="2"/>
-              </a:rPr>
-              <a:t> y</a:t>
-            </a:r>
-            <a:endParaRPr lang="en-US" dirty="0"/>
-          </a:p>
-        </p:txBody>
-      </p:sp>
-      <p:sp>
-        <p:nvSpPr>
-          <p:cNvPr id="9" name="TextBox 8">
-            <a:extLst>
-              <a:ext uri="{FF2B5EF4-FFF2-40B4-BE49-F238E27FC236}">
-                <a16:creationId xmlns:a16="http://schemas.microsoft.com/office/drawing/2014/main" id="{3D055D3F-344C-C64A-B943-292A2A197BDE}"/>
-              </a:ext>
-            </a:extLst>
-          </p:cNvPr>
-          <p:cNvSpPr txBox="1"/>
-          <p:nvPr/>
-        </p:nvSpPr>
-        <p:spPr>
-          <a:xfrm>
-            <a:off x="763715" y="5770307"/>
-            <a:ext cx="255198" cy="369332"/>
-          </a:xfrm>
-          <a:prstGeom prst="rect">
-            <a:avLst/>
-          </a:prstGeom>
-          <a:noFill/>
-        </p:spPr>
-        <p:txBody>
-          <a:bodyPr wrap="none" rtlCol="0">
-            <a:spAutoFit/>
-          </a:bodyPr>
-          <a:lstStyle/>
-          <a:p>
-            <a:r>
-              <a:rPr lang="en-US" dirty="0"/>
-              <a:t>f</a:t>
-            </a:r>
-          </a:p>
-        </p:txBody>
-      </p:sp>
-      <p:sp>
-        <p:nvSpPr>
-          <p:cNvPr id="11" name="TextBox 10">
-            <a:extLst>
-              <a:ext uri="{FF2B5EF4-FFF2-40B4-BE49-F238E27FC236}">
-                <a16:creationId xmlns:a16="http://schemas.microsoft.com/office/drawing/2014/main" id="{0E7AF75E-E643-754B-9B22-A5E5180180E8}"/>
-              </a:ext>
-            </a:extLst>
-          </p:cNvPr>
-          <p:cNvSpPr txBox="1"/>
-          <p:nvPr/>
-        </p:nvSpPr>
-        <p:spPr>
-          <a:xfrm>
-            <a:off x="1875098" y="5954973"/>
-            <a:ext cx="1033745" cy="369332"/>
-          </a:xfrm>
-          <a:prstGeom prst="rect">
-            <a:avLst/>
-          </a:prstGeom>
-          <a:noFill/>
-        </p:spPr>
-        <p:txBody>
-          <a:bodyPr wrap="none" rtlCol="0">
-            <a:spAutoFit/>
-          </a:bodyPr>
-          <a:lstStyle/>
-          <a:p>
-            <a:r>
-              <a:rPr lang="en-US" dirty="0"/>
-              <a:t>Neurons </a:t>
-            </a:r>
-          </a:p>
-        </p:txBody>
-      </p:sp>
-      <p:sp>
-        <p:nvSpPr>
-          <p:cNvPr id="12" name="TextBox 11">
-            <a:extLst>
-              <a:ext uri="{FF2B5EF4-FFF2-40B4-BE49-F238E27FC236}">
-                <a16:creationId xmlns:a16="http://schemas.microsoft.com/office/drawing/2014/main" id="{9BF5737A-EF76-2F43-91EB-58B8D7CB857D}"/>
-              </a:ext>
-            </a:extLst>
-          </p:cNvPr>
-          <p:cNvSpPr txBox="1"/>
-          <p:nvPr/>
-        </p:nvSpPr>
-        <p:spPr>
-          <a:xfrm>
-            <a:off x="544010" y="4352081"/>
-            <a:ext cx="679994" cy="369332"/>
-          </a:xfrm>
-          <a:prstGeom prst="rect">
-            <a:avLst/>
-          </a:prstGeom>
-          <a:noFill/>
-        </p:spPr>
-        <p:txBody>
-          <a:bodyPr wrap="none" rtlCol="0">
-            <a:spAutoFit/>
-          </a:bodyPr>
-          <a:lstStyle/>
-          <a:p>
-            <a:r>
-              <a:rPr lang="en-US" dirty="0"/>
-              <a:t>input</a:t>
-            </a:r>
-          </a:p>
-        </p:txBody>
-      </p:sp>
-      <p:sp>
-        <p:nvSpPr>
-          <p:cNvPr id="13" name="TextBox 12">
-            <a:extLst>
-              <a:ext uri="{FF2B5EF4-FFF2-40B4-BE49-F238E27FC236}">
-                <a16:creationId xmlns:a16="http://schemas.microsoft.com/office/drawing/2014/main" id="{8F6D014A-E600-4644-8D41-CD08AABB2DF2}"/>
-              </a:ext>
-            </a:extLst>
-          </p:cNvPr>
-          <p:cNvSpPr txBox="1"/>
-          <p:nvPr/>
-        </p:nvSpPr>
-        <p:spPr>
-          <a:xfrm>
-            <a:off x="5270133" y="4352081"/>
-            <a:ext cx="825867" cy="369332"/>
-          </a:xfrm>
-          <a:prstGeom prst="rect">
-            <a:avLst/>
-          </a:prstGeom>
-          <a:noFill/>
-        </p:spPr>
-        <p:txBody>
-          <a:bodyPr wrap="none" rtlCol="0">
-            <a:spAutoFit/>
-          </a:bodyPr>
-          <a:lstStyle/>
-          <a:p>
-            <a:r>
-              <a:rPr lang="en-US" dirty="0"/>
-              <a:t>output</a:t>
-            </a:r>
-          </a:p>
-        </p:txBody>
-      </p:sp>
-      <p:sp>
-        <p:nvSpPr>
-          <p:cNvPr id="14" name="TextBox 13">
-            <a:extLst>
-              <a:ext uri="{FF2B5EF4-FFF2-40B4-BE49-F238E27FC236}">
-                <a16:creationId xmlns:a16="http://schemas.microsoft.com/office/drawing/2014/main" id="{B444691C-65BD-3A46-AB8B-89F5F074DCBF}"/>
-              </a:ext>
-            </a:extLst>
-          </p:cNvPr>
-          <p:cNvSpPr txBox="1"/>
-          <p:nvPr/>
-        </p:nvSpPr>
-        <p:spPr>
-          <a:xfrm>
-            <a:off x="960699" y="4942390"/>
-            <a:ext cx="1344279" cy="646331"/>
-          </a:xfrm>
-          <a:prstGeom prst="rect">
-            <a:avLst/>
-          </a:prstGeom>
-          <a:noFill/>
-        </p:spPr>
-        <p:txBody>
-          <a:bodyPr wrap="none" rtlCol="0">
-            <a:spAutoFit/>
-          </a:bodyPr>
-          <a:lstStyle/>
-          <a:p>
-            <a:r>
-              <a:rPr lang="en-US" dirty="0"/>
-              <a:t>Weight</a:t>
-            </a:r>
-            <a:r>
-              <a:rPr lang="zh-CN" altLang="en-US" dirty="0"/>
-              <a:t>： </a:t>
-            </a:r>
-            <a:r>
-              <a:rPr lang="en-US" altLang="zh-CN" dirty="0"/>
-              <a:t>W</a:t>
-            </a:r>
-          </a:p>
-          <a:p>
-            <a:r>
-              <a:rPr lang="en-US" dirty="0"/>
-              <a:t>Bias</a:t>
-            </a:r>
-            <a:r>
-              <a:rPr lang="zh-CN" altLang="en-US" dirty="0"/>
-              <a:t> ：</a:t>
-            </a:r>
-            <a:r>
-              <a:rPr lang="en-US" altLang="zh-CN" dirty="0"/>
-              <a:t>b</a:t>
-            </a:r>
-            <a:endParaRPr lang="en-US" dirty="0"/>
-          </a:p>
-        </p:txBody>
-      </p:sp>
-      <p:sp>
-        <p:nvSpPr>
-          <p:cNvPr id="15" name="TextBox 14">
-            <a:extLst>
-              <a:ext uri="{FF2B5EF4-FFF2-40B4-BE49-F238E27FC236}">
-                <a16:creationId xmlns:a16="http://schemas.microsoft.com/office/drawing/2014/main" id="{4722EE76-172E-0D4C-B3F2-E2D8665B00D8}"/>
-              </a:ext>
-            </a:extLst>
-          </p:cNvPr>
-          <p:cNvSpPr txBox="1"/>
-          <p:nvPr/>
-        </p:nvSpPr>
-        <p:spPr>
-          <a:xfrm>
-            <a:off x="3910018" y="3060679"/>
-            <a:ext cx="1966500" cy="369332"/>
-          </a:xfrm>
-          <a:prstGeom prst="rect">
-            <a:avLst/>
-          </a:prstGeom>
-          <a:noFill/>
-        </p:spPr>
-        <p:txBody>
-          <a:bodyPr wrap="none" rtlCol="0">
-            <a:spAutoFit/>
-          </a:bodyPr>
-          <a:lstStyle/>
-          <a:p>
-            <a:r>
-              <a:rPr lang="en-US" dirty="0"/>
-              <a:t>Activation function</a:t>
-            </a:r>
-          </a:p>
-        </p:txBody>
-      </p:sp>
-      <p:cxnSp>
-        <p:nvCxnSpPr>
-          <p:cNvPr id="17" name="Straight Arrow Connector 16">
-            <a:extLst>
-              <a:ext uri="{FF2B5EF4-FFF2-40B4-BE49-F238E27FC236}">
-                <a16:creationId xmlns:a16="http://schemas.microsoft.com/office/drawing/2014/main" id="{39FD95E8-CDDA-0541-A7F3-25F75A81E953}"/>
-              </a:ext>
-            </a:extLst>
-          </p:cNvPr>
-          <p:cNvCxnSpPr/>
-          <p:nvPr/>
-        </p:nvCxnSpPr>
-        <p:spPr>
-          <a:xfrm flipH="1" flipV="1">
-            <a:off x="3842795" y="2384385"/>
-            <a:ext cx="254643" cy="555585"/>
-          </a:xfrm>
-          <a:prstGeom prst="straightConnector1">
-            <a:avLst/>
-          </a:prstGeom>
-          <a:ln>
-            <a:tailEnd type="triangle"/>
-          </a:ln>
-        </p:spPr>
-        <p:style>
-          <a:lnRef idx="1">
-            <a:schemeClr val="accent1"/>
-          </a:lnRef>
-          <a:fillRef idx="0">
-            <a:schemeClr val="accent1"/>
-          </a:fillRef>
-          <a:effectRef idx="0">
-            <a:schemeClr val="accent1"/>
-          </a:effectRef>
-          <a:fontRef idx="minor">
-            <a:schemeClr val="tx1"/>
-          </a:fontRef>
-        </p:style>
-      </p:cxnSp>
-    </p:spTree>
-    <p:extLst>
-      <p:ext uri="{BB962C8B-B14F-4D97-AF65-F5344CB8AC3E}">
-        <p14:creationId xmlns:p14="http://schemas.microsoft.com/office/powerpoint/2010/main" val="1450794452"/>
-      </p:ext>
-    </p:extLst>
-  </p:cSld>
-  <p:clrMapOvr>
-    <a:masterClrMapping/>
-  </p:clrMapOvr>
-</p:sld>
-</file>
-
-<file path=ppt/slides/slide6.xml><?xml version="1.0" encoding="utf-8"?>
-<p:sld xmlns:a="http://schemas.openxmlformats.org/drawingml/2006/main" xmlns:r="http://schemas.openxmlformats.org/officeDocument/2006/relationships" xmlns:p="http://schemas.openxmlformats.org/presentationml/2006/main">
-  <p:cSld>
-    <p:spTree>
-      <p:nvGrpSpPr>
-        <p:cNvPr id="1" name=""/>
-        <p:cNvGrpSpPr/>
-        <p:nvPr/>
-      </p:nvGrpSpPr>
-      <p:grpSpPr>
-        <a:xfrm>
-          <a:off x="0" y="0"/>
-          <a:ext cx="0" cy="0"/>
-          <a:chOff x="0" y="0"/>
-          <a:chExt cx="0" cy="0"/>
-        </a:xfrm>
-      </p:grpSpPr>
-      <p:pic>
-        <p:nvPicPr>
-          <p:cNvPr id="6" name="Picture 5">
-            <a:extLst>
-              <a:ext uri="{FF2B5EF4-FFF2-40B4-BE49-F238E27FC236}">
-                <a16:creationId xmlns:a16="http://schemas.microsoft.com/office/drawing/2014/main" id="{4175405F-5AD9-BC46-B04D-43EC1437FE37}"/>
-              </a:ext>
-            </a:extLst>
-          </p:cNvPr>
-          <p:cNvPicPr>
-            <a:picLocks noChangeAspect="1"/>
-          </p:cNvPicPr>
-          <p:nvPr/>
-        </p:nvPicPr>
-        <p:blipFill>
-          <a:blip r:embed="rId2"/>
-          <a:stretch>
-            <a:fillRect/>
-          </a:stretch>
-        </p:blipFill>
-        <p:spPr>
-          <a:xfrm>
-            <a:off x="167345" y="1495017"/>
-            <a:ext cx="6350000" cy="990600"/>
-          </a:xfrm>
-          <a:prstGeom prst="rect">
-            <a:avLst/>
-          </a:prstGeom>
-        </p:spPr>
-      </p:pic>
-      <p:sp>
-        <p:nvSpPr>
-          <p:cNvPr id="7" name="TextBox 6">
-            <a:extLst>
-              <a:ext uri="{FF2B5EF4-FFF2-40B4-BE49-F238E27FC236}">
-                <a16:creationId xmlns:a16="http://schemas.microsoft.com/office/drawing/2014/main" id="{D35BA167-5C5E-9D43-A009-2F6E5CC0C06F}"/>
-              </a:ext>
-            </a:extLst>
-          </p:cNvPr>
-          <p:cNvSpPr txBox="1"/>
-          <p:nvPr/>
-        </p:nvSpPr>
-        <p:spPr>
-          <a:xfrm>
-            <a:off x="678426" y="825910"/>
-            <a:ext cx="579005" cy="369332"/>
-          </a:xfrm>
-          <a:prstGeom prst="rect">
-            <a:avLst/>
-          </a:prstGeom>
-          <a:noFill/>
-        </p:spPr>
-        <p:txBody>
-          <a:bodyPr wrap="none" rtlCol="0">
-            <a:spAutoFit/>
-          </a:bodyPr>
-          <a:lstStyle/>
-          <a:p>
-            <a:r>
-              <a:rPr lang="en-US" dirty="0"/>
-              <a:t>SGD</a:t>
-            </a:r>
-          </a:p>
-        </p:txBody>
-      </p:sp>
-      <p:pic>
-        <p:nvPicPr>
-          <p:cNvPr id="10" name="Picture 9">
-            <a:extLst>
-              <a:ext uri="{FF2B5EF4-FFF2-40B4-BE49-F238E27FC236}">
-                <a16:creationId xmlns:a16="http://schemas.microsoft.com/office/drawing/2014/main" id="{4AE151C9-C0B7-1A43-A9B1-5158A582FAD4}"/>
-              </a:ext>
-            </a:extLst>
-          </p:cNvPr>
-          <p:cNvPicPr>
-            <a:picLocks noChangeAspect="1"/>
-          </p:cNvPicPr>
-          <p:nvPr/>
-        </p:nvPicPr>
-        <p:blipFill>
-          <a:blip r:embed="rId3"/>
-          <a:stretch>
-            <a:fillRect/>
-          </a:stretch>
-        </p:blipFill>
-        <p:spPr>
-          <a:xfrm>
-            <a:off x="0" y="3358105"/>
-            <a:ext cx="12192000" cy="3111237"/>
-          </a:xfrm>
-          <a:prstGeom prst="rect">
-            <a:avLst/>
-          </a:prstGeom>
-        </p:spPr>
-      </p:pic>
-      <p:sp>
-        <p:nvSpPr>
-          <p:cNvPr id="2" name="TextBox 1">
-            <a:extLst>
-              <a:ext uri="{FF2B5EF4-FFF2-40B4-BE49-F238E27FC236}">
-                <a16:creationId xmlns:a16="http://schemas.microsoft.com/office/drawing/2014/main" id="{EFD74A30-E4D4-B241-8956-5FA24981DE25}"/>
-              </a:ext>
-            </a:extLst>
-          </p:cNvPr>
-          <p:cNvSpPr txBox="1"/>
-          <p:nvPr/>
-        </p:nvSpPr>
-        <p:spPr>
-          <a:xfrm>
-            <a:off x="2500132" y="925975"/>
-            <a:ext cx="1473737" cy="369332"/>
-          </a:xfrm>
-          <a:prstGeom prst="rect">
-            <a:avLst/>
-          </a:prstGeom>
-          <a:noFill/>
-        </p:spPr>
-        <p:txBody>
-          <a:bodyPr wrap="none" rtlCol="0">
-            <a:spAutoFit/>
-          </a:bodyPr>
-          <a:lstStyle/>
-          <a:p>
-            <a:r>
-              <a:rPr lang="en-US" dirty="0"/>
-              <a:t>Learning rate </a:t>
-            </a:r>
-          </a:p>
-        </p:txBody>
-      </p:sp>
-    </p:spTree>
-    <p:extLst>
-      <p:ext uri="{BB962C8B-B14F-4D97-AF65-F5344CB8AC3E}">
-        <p14:creationId xmlns:p14="http://schemas.microsoft.com/office/powerpoint/2010/main" val="1162563140"/>
-      </p:ext>
-    </p:extLst>
-  </p:cSld>
-  <p:clrMapOvr>
-    <a:masterClrMapping/>
-  </p:clrMapOvr>
-</p:sld>
-</file>
-
-<file path=ppt/slides/slide7.xml><?xml version="1.0" encoding="utf-8"?>
-<p:sld xmlns:a="http://schemas.openxmlformats.org/drawingml/2006/main" xmlns:r="http://schemas.openxmlformats.org/officeDocument/2006/relationships" xmlns:p="http://schemas.openxmlformats.org/presentationml/2006/main">
-  <p:cSld>
-    <p:spTree>
-      <p:nvGrpSpPr>
-        <p:cNvPr id="1" name=""/>
-        <p:cNvGrpSpPr/>
-        <p:nvPr/>
-      </p:nvGrpSpPr>
-      <p:grpSpPr>
-        <a:xfrm>
-          <a:off x="0" y="0"/>
-          <a:ext cx="0" cy="0"/>
-          <a:chOff x="0" y="0"/>
-          <a:chExt cx="0" cy="0"/>
-        </a:xfrm>
-      </p:grpSpPr>
-      <p:sp>
-        <p:nvSpPr>
-          <p:cNvPr id="11" name="Rectangle 10">
-            <a:extLst>
-              <a:ext uri="{FF2B5EF4-FFF2-40B4-BE49-F238E27FC236}">
-                <a16:creationId xmlns:a16="http://schemas.microsoft.com/office/drawing/2014/main" id="{11F2DABE-86E7-4348-B379-CF768F868AB5}"/>
-              </a:ext>
-            </a:extLst>
-          </p:cNvPr>
-          <p:cNvSpPr/>
-          <p:nvPr/>
-        </p:nvSpPr>
-        <p:spPr>
-          <a:xfrm>
-            <a:off x="644013" y="1513009"/>
-            <a:ext cx="6096000" cy="646331"/>
-          </a:xfrm>
-          <a:prstGeom prst="rect">
-            <a:avLst/>
-          </a:prstGeom>
-        </p:spPr>
-        <p:txBody>
-          <a:bodyPr>
-            <a:spAutoFit/>
-          </a:bodyPr>
-          <a:lstStyle/>
-          <a:p>
-            <a:r>
-              <a:rPr lang="en-US" dirty="0">
-                <a:hlinkClick r:id="rId2"/>
-              </a:rPr>
-              <a:t>https://towardsdatascience.com/3-things-you-need-to-know-before-you-train-test-split-869dfabb7e50</a:t>
-            </a:r>
-            <a:endParaRPr lang="en-US" dirty="0"/>
-          </a:p>
-        </p:txBody>
-      </p:sp>
-      <p:pic>
-        <p:nvPicPr>
-          <p:cNvPr id="14" name="Picture 13">
-            <a:extLst>
-              <a:ext uri="{FF2B5EF4-FFF2-40B4-BE49-F238E27FC236}">
-                <a16:creationId xmlns:a16="http://schemas.microsoft.com/office/drawing/2014/main" id="{3E88B885-5AAE-4649-885E-8F872D815D0C}"/>
-              </a:ext>
-            </a:extLst>
-          </p:cNvPr>
-          <p:cNvPicPr>
-            <a:picLocks noChangeAspect="1"/>
-          </p:cNvPicPr>
-          <p:nvPr/>
-        </p:nvPicPr>
-        <p:blipFill>
-          <a:blip r:embed="rId3"/>
-          <a:stretch>
-            <a:fillRect/>
-          </a:stretch>
-        </p:blipFill>
-        <p:spPr>
-          <a:xfrm>
-            <a:off x="368095" y="3104701"/>
-            <a:ext cx="6371918" cy="3305932"/>
-          </a:xfrm>
-          <a:prstGeom prst="rect">
-            <a:avLst/>
-          </a:prstGeom>
-        </p:spPr>
-      </p:pic>
-      <p:pic>
-        <p:nvPicPr>
-          <p:cNvPr id="16" name="Picture 15">
-            <a:extLst>
-              <a:ext uri="{FF2B5EF4-FFF2-40B4-BE49-F238E27FC236}">
-                <a16:creationId xmlns:a16="http://schemas.microsoft.com/office/drawing/2014/main" id="{7D796A60-FA75-6B41-BA17-C8D6DC400F45}"/>
-              </a:ext>
-            </a:extLst>
-          </p:cNvPr>
-          <p:cNvPicPr>
-            <a:picLocks noChangeAspect="1"/>
-          </p:cNvPicPr>
-          <p:nvPr/>
-        </p:nvPicPr>
-        <p:blipFill>
-          <a:blip r:embed="rId4"/>
-          <a:stretch>
-            <a:fillRect/>
-          </a:stretch>
-        </p:blipFill>
-        <p:spPr>
-          <a:xfrm>
-            <a:off x="5663790" y="1867150"/>
-            <a:ext cx="6528210" cy="3601429"/>
-          </a:xfrm>
-          <a:prstGeom prst="rect">
-            <a:avLst/>
-          </a:prstGeom>
-        </p:spPr>
-      </p:pic>
-    </p:spTree>
-    <p:extLst>
-      <p:ext uri="{BB962C8B-B14F-4D97-AF65-F5344CB8AC3E}">
-        <p14:creationId xmlns:p14="http://schemas.microsoft.com/office/powerpoint/2010/main" val="1343928603"/>
-      </p:ext>
-    </p:extLst>
-  </p:cSld>
-  <p:clrMapOvr>
-    <a:masterClrMapping/>
-  </p:clrMapOvr>
-</p:sld>
-</file>
-
-<file path=ppt/slides/slide8.xml><?xml version="1.0" encoding="utf-8"?>
-<p:sld xmlns:a="http://schemas.openxmlformats.org/drawingml/2006/main" xmlns:r="http://schemas.openxmlformats.org/officeDocument/2006/relationships" xmlns:p="http://schemas.openxmlformats.org/presentationml/2006/main">
-  <p:cSld>
-    <p:spTree>
-      <p:nvGrpSpPr>
-        <p:cNvPr id="1" name=""/>
-        <p:cNvGrpSpPr/>
-        <p:nvPr/>
-      </p:nvGrpSpPr>
-      <p:grpSpPr>
-        <a:xfrm>
-          <a:off x="0" y="0"/>
-          <a:ext cx="0" cy="0"/>
-          <a:chOff x="0" y="0"/>
-          <a:chExt cx="0" cy="0"/>
-        </a:xfrm>
-      </p:grpSpPr>
-      <p:sp>
-        <p:nvSpPr>
-          <p:cNvPr id="7" name="TextBox 6">
-            <a:extLst>
-              <a:ext uri="{FF2B5EF4-FFF2-40B4-BE49-F238E27FC236}">
-                <a16:creationId xmlns:a16="http://schemas.microsoft.com/office/drawing/2014/main" id="{78171321-1F9A-394F-82A1-097E041EADF1}"/>
-              </a:ext>
-            </a:extLst>
-          </p:cNvPr>
-          <p:cNvSpPr txBox="1"/>
-          <p:nvPr/>
-        </p:nvSpPr>
-        <p:spPr>
-          <a:xfrm>
-            <a:off x="8153400" y="640081"/>
-            <a:ext cx="3398518" cy="5255364"/>
-          </a:xfrm>
-        </p:spPr>
-        <p:txBody>
-          <a:bodyPr vert="horz" lIns="91440" tIns="45720" rIns="91440" bIns="45720" rtlCol="0" anchor="ctr">
-            <a:normAutofit/>
-          </a:bodyPr>
-          <a:lstStyle/>
-          <a:p>
-            <a:pPr>
-              <a:lnSpc>
-                <a:spcPct val="90000"/>
-              </a:lnSpc>
-              <a:spcBef>
-                <a:spcPct val="0"/>
-              </a:spcBef>
-              <a:spcAft>
-                <a:spcPts val="600"/>
-              </a:spcAft>
-            </a:pPr>
-            <a:r>
-              <a:rPr lang="zh-CN" altLang="en-US" sz="4800" dirty="0">
-                <a:latin typeface="+mj-lt"/>
-                <a:ea typeface="+mj-ea"/>
-                <a:cs typeface="+mj-cs"/>
-              </a:rPr>
-              <a:t>作业</a:t>
-            </a:r>
-            <a:r>
-              <a:rPr lang="en-US" altLang="zh-CN" sz="4800" dirty="0">
-                <a:latin typeface="+mj-lt"/>
-                <a:ea typeface="+mj-ea"/>
-                <a:cs typeface="+mj-cs"/>
-              </a:rPr>
-              <a:t>2</a:t>
-            </a:r>
-            <a:endParaRPr lang="en-US" sz="4800" dirty="0">
-              <a:latin typeface="+mj-lt"/>
-              <a:ea typeface="+mj-ea"/>
-              <a:cs typeface="+mj-cs"/>
-            </a:endParaRPr>
-          </a:p>
-        </p:txBody>
-      </p:sp>
-      <p:sp>
-        <p:nvSpPr>
-          <p:cNvPr id="10" name="TextBox 9">
-            <a:extLst>
-              <a:ext uri="{FF2B5EF4-FFF2-40B4-BE49-F238E27FC236}">
-                <a16:creationId xmlns:a16="http://schemas.microsoft.com/office/drawing/2014/main" id="{A8883954-51E4-5F42-808E-A786754485B5}"/>
-              </a:ext>
-            </a:extLst>
-          </p:cNvPr>
-          <p:cNvSpPr txBox="1"/>
-          <p:nvPr/>
-        </p:nvSpPr>
-        <p:spPr>
-          <a:xfrm>
-            <a:off x="598098" y="1000137"/>
-            <a:ext cx="301686" cy="369332"/>
-          </a:xfrm>
-          <a:prstGeom prst="rect">
-            <a:avLst/>
-          </a:prstGeom>
-          <a:noFill/>
-        </p:spPr>
-        <p:txBody>
-          <a:bodyPr wrap="none" rtlCol="0">
-            <a:spAutoFit/>
-          </a:bodyPr>
-          <a:lstStyle/>
-          <a:p>
-            <a:r>
-              <a:rPr lang="en-US"/>
-              <a:t>1</a:t>
-            </a:r>
-            <a:endParaRPr lang="en-US" dirty="0"/>
-          </a:p>
-        </p:txBody>
-      </p:sp>
-      <p:sp>
-        <p:nvSpPr>
-          <p:cNvPr id="11" name="TextBox 10">
-            <a:extLst>
-              <a:ext uri="{FF2B5EF4-FFF2-40B4-BE49-F238E27FC236}">
-                <a16:creationId xmlns:a16="http://schemas.microsoft.com/office/drawing/2014/main" id="{D4AA8973-4745-084D-AA55-74817865ACB3}"/>
-              </a:ext>
-            </a:extLst>
-          </p:cNvPr>
-          <p:cNvSpPr txBox="1"/>
-          <p:nvPr/>
-        </p:nvSpPr>
-        <p:spPr>
-          <a:xfrm>
-            <a:off x="564089" y="3197724"/>
-            <a:ext cx="301686" cy="369332"/>
-          </a:xfrm>
-          <a:prstGeom prst="rect">
-            <a:avLst/>
-          </a:prstGeom>
-          <a:noFill/>
-        </p:spPr>
-        <p:txBody>
-          <a:bodyPr wrap="none" rtlCol="0">
-            <a:spAutoFit/>
-          </a:bodyPr>
-          <a:lstStyle/>
-          <a:p>
-            <a:r>
-              <a:rPr lang="en-US"/>
-              <a:t>2</a:t>
-            </a:r>
-            <a:endParaRPr lang="en-US" dirty="0"/>
-          </a:p>
-        </p:txBody>
-      </p:sp>
-      <p:sp>
-        <p:nvSpPr>
-          <p:cNvPr id="17" name="TextBox 16">
-            <a:extLst>
-              <a:ext uri="{FF2B5EF4-FFF2-40B4-BE49-F238E27FC236}">
-                <a16:creationId xmlns:a16="http://schemas.microsoft.com/office/drawing/2014/main" id="{C322EF5D-73B8-724B-93FA-94CB1018D693}"/>
-              </a:ext>
-            </a:extLst>
-          </p:cNvPr>
-          <p:cNvSpPr txBox="1"/>
-          <p:nvPr/>
-        </p:nvSpPr>
-        <p:spPr>
-          <a:xfrm>
-            <a:off x="506381" y="4729643"/>
-            <a:ext cx="301686" cy="369332"/>
-          </a:xfrm>
-          <a:prstGeom prst="rect">
-            <a:avLst/>
-          </a:prstGeom>
-          <a:noFill/>
-        </p:spPr>
-        <p:txBody>
-          <a:bodyPr wrap="none" rtlCol="0">
-            <a:spAutoFit/>
-          </a:bodyPr>
-          <a:lstStyle/>
-          <a:p>
-            <a:r>
-              <a:rPr lang="en-US" dirty="0"/>
-              <a:t>3</a:t>
-            </a:r>
-          </a:p>
-        </p:txBody>
-      </p:sp>
-      <p:pic>
-        <p:nvPicPr>
-          <p:cNvPr id="4" name="Picture 3">
-            <a:extLst>
-              <a:ext uri="{FF2B5EF4-FFF2-40B4-BE49-F238E27FC236}">
-                <a16:creationId xmlns:a16="http://schemas.microsoft.com/office/drawing/2014/main" id="{8A3D6BA9-646F-7C40-93EE-C60899CD6CD7}"/>
-              </a:ext>
-            </a:extLst>
-          </p:cNvPr>
-          <p:cNvPicPr>
-            <a:picLocks noChangeAspect="1"/>
-          </p:cNvPicPr>
-          <p:nvPr/>
-        </p:nvPicPr>
-        <p:blipFill>
-          <a:blip r:embed="rId2"/>
-          <a:stretch>
-            <a:fillRect/>
-          </a:stretch>
-        </p:blipFill>
-        <p:spPr>
-          <a:xfrm>
-            <a:off x="1672421" y="292592"/>
-            <a:ext cx="2743200" cy="2578100"/>
-          </a:xfrm>
-          <a:prstGeom prst="rect">
-            <a:avLst/>
-          </a:prstGeom>
-        </p:spPr>
-      </p:pic>
-      <p:pic>
-        <p:nvPicPr>
-          <p:cNvPr id="6" name="Picture 5">
-            <a:extLst>
-              <a:ext uri="{FF2B5EF4-FFF2-40B4-BE49-F238E27FC236}">
-                <a16:creationId xmlns:a16="http://schemas.microsoft.com/office/drawing/2014/main" id="{936A826D-6153-C64D-A660-2E13196D943C}"/>
-              </a:ext>
-            </a:extLst>
-          </p:cNvPr>
-          <p:cNvPicPr>
-            <a:picLocks noChangeAspect="1"/>
-          </p:cNvPicPr>
-          <p:nvPr/>
-        </p:nvPicPr>
-        <p:blipFill>
-          <a:blip r:embed="rId3"/>
-          <a:stretch>
-            <a:fillRect/>
-          </a:stretch>
-        </p:blipFill>
-        <p:spPr>
-          <a:xfrm>
-            <a:off x="1638412" y="2870692"/>
-            <a:ext cx="1824294" cy="1762738"/>
-          </a:xfrm>
-          <a:prstGeom prst="rect">
-            <a:avLst/>
-          </a:prstGeom>
-        </p:spPr>
-      </p:pic>
-      <p:sp>
-        <p:nvSpPr>
-          <p:cNvPr id="12" name="TextBox 11">
-            <a:extLst>
-              <a:ext uri="{FF2B5EF4-FFF2-40B4-BE49-F238E27FC236}">
-                <a16:creationId xmlns:a16="http://schemas.microsoft.com/office/drawing/2014/main" id="{9E12B2D4-D03E-4B48-AA7A-9443BA83F95F}"/>
-              </a:ext>
-            </a:extLst>
-          </p:cNvPr>
-          <p:cNvSpPr txBox="1"/>
-          <p:nvPr/>
-        </p:nvSpPr>
-        <p:spPr>
-          <a:xfrm>
-            <a:off x="1215342" y="4907666"/>
-            <a:ext cx="4810741" cy="369332"/>
-          </a:xfrm>
-          <a:prstGeom prst="rect">
-            <a:avLst/>
-          </a:prstGeom>
-          <a:noFill/>
-        </p:spPr>
-        <p:txBody>
-          <a:bodyPr wrap="none" rtlCol="0">
-            <a:spAutoFit/>
-          </a:bodyPr>
-          <a:lstStyle/>
-          <a:p>
-            <a:r>
-              <a:rPr lang="zh-CN" altLang="en-US" dirty="0"/>
-              <a:t>完成</a:t>
-            </a:r>
-            <a:r>
-              <a:rPr lang="en-US" altLang="zh-CN" dirty="0" err="1"/>
-              <a:t>tensorflow</a:t>
-            </a:r>
-            <a:r>
-              <a:rPr lang="zh-CN" altLang="en-US" dirty="0"/>
-              <a:t>，</a:t>
-            </a:r>
-            <a:r>
-              <a:rPr lang="en-US" altLang="zh-CN" dirty="0"/>
-              <a:t>pandas</a:t>
-            </a:r>
-            <a:r>
-              <a:rPr lang="zh-CN" altLang="en-US" dirty="0"/>
-              <a:t>，</a:t>
-            </a:r>
-            <a:r>
-              <a:rPr lang="en-US" altLang="zh-CN" dirty="0" err="1"/>
-              <a:t>keras</a:t>
-            </a:r>
-            <a:r>
-              <a:rPr lang="zh-CN" altLang="en-US" dirty="0"/>
-              <a:t>，</a:t>
-            </a:r>
-            <a:r>
-              <a:rPr lang="en-US" altLang="zh-CN" dirty="0" err="1"/>
-              <a:t>sklearn</a:t>
-            </a:r>
-            <a:r>
-              <a:rPr lang="zh-CN" altLang="en-US" dirty="0"/>
-              <a:t> 下载</a:t>
-            </a:r>
-            <a:endParaRPr lang="en-US" dirty="0"/>
-          </a:p>
-        </p:txBody>
-      </p:sp>
     </p:spTree>
     <p:extLst>
       <p:ext uri="{BB962C8B-B14F-4D97-AF65-F5344CB8AC3E}">
